--- a/web/g22/status/Køreprøven.pptx
+++ b/web/g22/status/Køreprøven.pptx
@@ -5,18 +5,19 @@
     <p:sldMasterId id="2147483648" r:id="rId1"/>
   </p:sldMasterIdLst>
   <p:notesMasterIdLst>
-    <p:notesMasterId r:id="rId8"/>
+    <p:notesMasterId r:id="rId9"/>
   </p:notesMasterIdLst>
   <p:handoutMasterIdLst>
-    <p:handoutMasterId r:id="rId9"/>
+    <p:handoutMasterId r:id="rId10"/>
   </p:handoutMasterIdLst>
   <p:sldIdLst>
     <p:sldId id="386" r:id="rId2"/>
     <p:sldId id="382" r:id="rId3"/>
     <p:sldId id="385" r:id="rId4"/>
-    <p:sldId id="391" r:id="rId5"/>
-    <p:sldId id="384" r:id="rId6"/>
-    <p:sldId id="390" r:id="rId7"/>
+    <p:sldId id="392" r:id="rId5"/>
+    <p:sldId id="393" r:id="rId6"/>
+    <p:sldId id="384" r:id="rId7"/>
+    <p:sldId id="390" r:id="rId8"/>
   </p:sldIdLst>
   <p:sldSz cx="9144000" cy="6858000" type="screen4x3"/>
   <p:notesSz cx="6761163" cy="9942513"/>
@@ -1922,7 +1923,7 @@
     </p:spTree>
     <p:extLst>
       <p:ext uri="{BB962C8B-B14F-4D97-AF65-F5344CB8AC3E}">
-        <p14:creationId xmlns:p14="http://schemas.microsoft.com/office/powerpoint/2010/main" val="2337858480"/>
+        <p14:creationId xmlns:p14="http://schemas.microsoft.com/office/powerpoint/2010/main" val="376946307"/>
       </p:ext>
     </p:extLst>
   </p:cSld>
@@ -1933,6 +1934,266 @@
 </file>
 
 <file path=ppt/notesSlides/notesSlide5.xml><?xml version="1.0" encoding="utf-8"?>
+<p:notes xmlns:a="http://schemas.openxmlformats.org/drawingml/2006/main" xmlns:r="http://schemas.openxmlformats.org/officeDocument/2006/relationships" xmlns:p="http://schemas.openxmlformats.org/presentationml/2006/main">
+  <p:cSld>
+    <p:spTree>
+      <p:nvGrpSpPr>
+        <p:cNvPr id="1" name=""/>
+        <p:cNvGrpSpPr/>
+        <p:nvPr/>
+      </p:nvGrpSpPr>
+      <p:grpSpPr>
+        <a:xfrm>
+          <a:off x="0" y="0"/>
+          <a:ext cx="0" cy="0"/>
+          <a:chOff x="0" y="0"/>
+          <a:chExt cx="0" cy="0"/>
+        </a:xfrm>
+      </p:grpSpPr>
+      <p:sp>
+        <p:nvSpPr>
+          <p:cNvPr id="9217" name="Rectangle 7"/>
+          <p:cNvSpPr>
+            <a:spLocks noGrp="1" noChangeArrowheads="1"/>
+          </p:cNvSpPr>
+          <p:nvPr>
+            <p:ph type="sldNum" sz="quarter" idx="5"/>
+          </p:nvPr>
+        </p:nvSpPr>
+        <p:spPr>
+          <a:noFill/>
+          <a:ln/>
+          <a:extLst>
+            <a:ext uri="{909E8E84-426E-40DD-AFC4-6F175D3DCCD1}">
+              <a14:hiddenFill xmlns:a14="http://schemas.microsoft.com/office/drawing/2010/main">
+                <a:solidFill>
+                  <a:srgbClr val="FFFFFF"/>
+                </a:solidFill>
+              </a14:hiddenFill>
+            </a:ext>
+            <a:ext uri="{91240B29-F687-4F45-9708-019B960494DF}">
+              <a14:hiddenLine xmlns:a14="http://schemas.microsoft.com/office/drawing/2010/main" w="9525">
+                <a:solidFill>
+                  <a:srgbClr val="000000"/>
+                </a:solidFill>
+                <a:miter lim="800000"/>
+                <a:headEnd/>
+                <a:tailEnd/>
+              </a14:hiddenLine>
+            </a:ext>
+          </a:extLst>
+        </p:spPr>
+        <p:txBody>
+          <a:bodyPr/>
+          <a:lstStyle>
+            <a:lvl1pPr defTabSz="990529" eaLnBrk="0" hangingPunct="0">
+              <a:defRPr sz="2000">
+                <a:solidFill>
+                  <a:srgbClr val="A50021"/>
+                </a:solidFill>
+                <a:latin typeface="Arial" pitchFamily="34" charset="0"/>
+                <a:ea typeface="ＭＳ Ｐゴシック" pitchFamily="34" charset="-128"/>
+              </a:defRPr>
+            </a:lvl1pPr>
+            <a:lvl2pPr marL="742896" indent="-285730" defTabSz="990529" eaLnBrk="0" hangingPunct="0">
+              <a:defRPr sz="2000">
+                <a:solidFill>
+                  <a:srgbClr val="A50021"/>
+                </a:solidFill>
+                <a:latin typeface="Arial" pitchFamily="34" charset="0"/>
+                <a:ea typeface="ＭＳ Ｐゴシック" pitchFamily="34" charset="-128"/>
+              </a:defRPr>
+            </a:lvl2pPr>
+            <a:lvl3pPr marL="1142917" indent="-228583" defTabSz="990529" eaLnBrk="0" hangingPunct="0">
+              <a:defRPr sz="2000">
+                <a:solidFill>
+                  <a:srgbClr val="A50021"/>
+                </a:solidFill>
+                <a:latin typeface="Arial" pitchFamily="34" charset="0"/>
+                <a:ea typeface="ＭＳ Ｐゴシック" pitchFamily="34" charset="-128"/>
+              </a:defRPr>
+            </a:lvl3pPr>
+            <a:lvl4pPr marL="1600085" indent="-228583" defTabSz="990529" eaLnBrk="0" hangingPunct="0">
+              <a:defRPr sz="2000">
+                <a:solidFill>
+                  <a:srgbClr val="A50021"/>
+                </a:solidFill>
+                <a:latin typeface="Arial" pitchFamily="34" charset="0"/>
+                <a:ea typeface="ＭＳ Ｐゴシック" pitchFamily="34" charset="-128"/>
+              </a:defRPr>
+            </a:lvl4pPr>
+            <a:lvl5pPr marL="2057251" indent="-228583" defTabSz="990529" eaLnBrk="0" hangingPunct="0">
+              <a:defRPr sz="2000">
+                <a:solidFill>
+                  <a:srgbClr val="A50021"/>
+                </a:solidFill>
+                <a:latin typeface="Arial" pitchFamily="34" charset="0"/>
+                <a:ea typeface="ＭＳ Ｐゴシック" pitchFamily="34" charset="-128"/>
+              </a:defRPr>
+            </a:lvl5pPr>
+            <a:lvl6pPr marL="2514418" indent="-228583" defTabSz="990529" eaLnBrk="0" fontAlgn="base" hangingPunct="0">
+              <a:spcBef>
+                <a:spcPct val="0"/>
+              </a:spcBef>
+              <a:spcAft>
+                <a:spcPct val="0"/>
+              </a:spcAft>
+              <a:defRPr sz="2000">
+                <a:solidFill>
+                  <a:srgbClr val="A50021"/>
+                </a:solidFill>
+                <a:latin typeface="Arial" pitchFamily="34" charset="0"/>
+                <a:ea typeface="ＭＳ Ｐゴシック" pitchFamily="34" charset="-128"/>
+              </a:defRPr>
+            </a:lvl6pPr>
+            <a:lvl7pPr marL="2971585" indent="-228583" defTabSz="990529" eaLnBrk="0" fontAlgn="base" hangingPunct="0">
+              <a:spcBef>
+                <a:spcPct val="0"/>
+              </a:spcBef>
+              <a:spcAft>
+                <a:spcPct val="0"/>
+              </a:spcAft>
+              <a:defRPr sz="2000">
+                <a:solidFill>
+                  <a:srgbClr val="A50021"/>
+                </a:solidFill>
+                <a:latin typeface="Arial" pitchFamily="34" charset="0"/>
+                <a:ea typeface="ＭＳ Ｐゴシック" pitchFamily="34" charset="-128"/>
+              </a:defRPr>
+            </a:lvl7pPr>
+            <a:lvl8pPr marL="3428752" indent="-228583" defTabSz="990529" eaLnBrk="0" fontAlgn="base" hangingPunct="0">
+              <a:spcBef>
+                <a:spcPct val="0"/>
+              </a:spcBef>
+              <a:spcAft>
+                <a:spcPct val="0"/>
+              </a:spcAft>
+              <a:defRPr sz="2000">
+                <a:solidFill>
+                  <a:srgbClr val="A50021"/>
+                </a:solidFill>
+                <a:latin typeface="Arial" pitchFamily="34" charset="0"/>
+                <a:ea typeface="ＭＳ Ｐゴシック" pitchFamily="34" charset="-128"/>
+              </a:defRPr>
+            </a:lvl8pPr>
+            <a:lvl9pPr marL="3885919" indent="-228583" defTabSz="990529" eaLnBrk="0" fontAlgn="base" hangingPunct="0">
+              <a:spcBef>
+                <a:spcPct val="0"/>
+              </a:spcBef>
+              <a:spcAft>
+                <a:spcPct val="0"/>
+              </a:spcAft>
+              <a:defRPr sz="2000">
+                <a:solidFill>
+                  <a:srgbClr val="A50021"/>
+                </a:solidFill>
+                <a:latin typeface="Arial" pitchFamily="34" charset="0"/>
+                <a:ea typeface="ＭＳ Ｐゴシック" pitchFamily="34" charset="-128"/>
+              </a:defRPr>
+            </a:lvl9pPr>
+          </a:lstStyle>
+          <a:p>
+            <a:pPr eaLnBrk="1" hangingPunct="1"/>
+            <a:fld id="{16B0D70C-2929-4386-8050-DC4284CB5E07}" type="slidenum">
+              <a:rPr lang="da-DK" altLang="da-DK" sz="1300">
+                <a:solidFill>
+                  <a:srgbClr val="CC0000"/>
+                </a:solidFill>
+                <a:latin typeface="Times New Roman" pitchFamily="18" charset="0"/>
+              </a:rPr>
+              <a:pPr eaLnBrk="1" hangingPunct="1"/>
+              <a:t>5</a:t>
+            </a:fld>
+            <a:endParaRPr lang="da-DK" altLang="da-DK" sz="1300">
+              <a:solidFill>
+                <a:srgbClr val="CC0000"/>
+              </a:solidFill>
+              <a:latin typeface="Times New Roman" pitchFamily="18" charset="0"/>
+            </a:endParaRPr>
+          </a:p>
+        </p:txBody>
+      </p:sp>
+      <p:sp>
+        <p:nvSpPr>
+          <p:cNvPr id="9218" name="Rectangle 2"/>
+          <p:cNvSpPr>
+            <a:spLocks noGrp="1" noRot="1" noChangeAspect="1" noChangeArrowheads="1" noTextEdit="1"/>
+          </p:cNvSpPr>
+          <p:nvPr>
+            <p:ph type="sldImg"/>
+          </p:nvPr>
+        </p:nvSpPr>
+        <p:spPr>
+          <a:xfrm>
+            <a:off x="896938" y="746125"/>
+            <a:ext cx="4967287" cy="3727450"/>
+          </a:xfrm>
+          <a:ln/>
+        </p:spPr>
+      </p:sp>
+      <p:sp>
+        <p:nvSpPr>
+          <p:cNvPr id="9219" name="Rectangle 3"/>
+          <p:cNvSpPr>
+            <a:spLocks noGrp="1" noChangeArrowheads="1"/>
+          </p:cNvSpPr>
+          <p:nvPr>
+            <p:ph type="body" idx="1"/>
+          </p:nvPr>
+        </p:nvSpPr>
+        <p:spPr>
+          <a:xfrm>
+            <a:off x="901086" y="4722193"/>
+            <a:ext cx="4958992" cy="4473900"/>
+          </a:xfrm>
+          <a:noFill/>
+          <a:ln/>
+          <a:extLst>
+            <a:ext uri="{909E8E84-426E-40DD-AFC4-6F175D3DCCD1}">
+              <a14:hiddenFill xmlns:a14="http://schemas.microsoft.com/office/drawing/2010/main">
+                <a:solidFill>
+                  <a:srgbClr val="FFFFFF"/>
+                </a:solidFill>
+              </a14:hiddenFill>
+            </a:ext>
+            <a:ext uri="{91240B29-F687-4F45-9708-019B960494DF}">
+              <a14:hiddenLine xmlns:a14="http://schemas.microsoft.com/office/drawing/2010/main" w="9525">
+                <a:solidFill>
+                  <a:srgbClr val="000000"/>
+                </a:solidFill>
+                <a:miter lim="800000"/>
+                <a:headEnd/>
+                <a:tailEnd/>
+              </a14:hiddenLine>
+            </a:ext>
+          </a:extLst>
+        </p:spPr>
+        <p:txBody>
+          <a:bodyPr/>
+          <a:lstStyle/>
+          <a:p>
+            <a:pPr eaLnBrk="1" hangingPunct="1"/>
+            <a:endParaRPr lang="en-US" altLang="da-DK" smtClean="0">
+              <a:latin typeface="Times New Roman" pitchFamily="18" charset="0"/>
+              <a:ea typeface="ＭＳ Ｐゴシック" pitchFamily="34" charset="-128"/>
+            </a:endParaRPr>
+          </a:p>
+        </p:txBody>
+      </p:sp>
+    </p:spTree>
+    <p:extLst>
+      <p:ext uri="{BB962C8B-B14F-4D97-AF65-F5344CB8AC3E}">
+        <p14:creationId xmlns:p14="http://schemas.microsoft.com/office/powerpoint/2010/main" val="1008643142"/>
+      </p:ext>
+    </p:extLst>
+  </p:cSld>
+  <p:clrMapOvr>
+    <a:masterClrMapping/>
+  </p:clrMapOvr>
+</p:notes>
+</file>
+
+<file path=ppt/notesSlides/notesSlide6.xml><?xml version="1.0" encoding="utf-8"?>
 <p:notes xmlns:a="http://schemas.openxmlformats.org/drawingml/2006/main" xmlns:r="http://schemas.openxmlformats.org/officeDocument/2006/relationships" xmlns:p="http://schemas.openxmlformats.org/presentationml/2006/main">
   <p:cSld>
     <p:spTree>
@@ -2101,7 +2362,7 @@
                 <a:latin typeface="Times New Roman" pitchFamily="18" charset="0"/>
               </a:rPr>
               <a:pPr eaLnBrk="1" hangingPunct="1"/>
-              <a:t>5</a:t>
+              <a:t>6</a:t>
             </a:fld>
             <a:endParaRPr lang="da-DK" altLang="da-DK" sz="1300">
               <a:solidFill>
@@ -2183,7 +2444,7 @@
 </p:notes>
 </file>
 
-<file path=ppt/notesSlides/notesSlide6.xml><?xml version="1.0" encoding="utf-8"?>
+<file path=ppt/notesSlides/notesSlide7.xml><?xml version="1.0" encoding="utf-8"?>
 <p:notes xmlns:a="http://schemas.openxmlformats.org/drawingml/2006/main" xmlns:r="http://schemas.openxmlformats.org/officeDocument/2006/relationships" xmlns:p="http://schemas.openxmlformats.org/presentationml/2006/main">
   <p:cSld>
     <p:spTree>
@@ -2374,7 +2635,7 @@
                   <a:spcPct val="0"/>
                 </a:spcBef>
               </a:pPr>
-              <a:t>6</a:t>
+              <a:t>7</a:t>
             </a:fld>
             <a:endParaRPr lang="da-DK" altLang="da-DK" sz="1300">
               <a:solidFill>
@@ -3857,8 +4118,21 @@
                   <a:srgbClr val="002060"/>
                 </a:solidFill>
               </a:rPr>
-              <a:t> fredag den 12. marts kl 9.00</a:t>
-            </a:r>
+              <a:t> fredag den 11. </a:t>
+            </a:r>
+            <a:r>
+              <a:rPr lang="da-DK" sz="1800" b="0" dirty="0" smtClean="0">
+                <a:solidFill>
+                  <a:srgbClr val="002060"/>
+                </a:solidFill>
+              </a:rPr>
+              <a:t>marts</a:t>
+            </a:r>
+            <a:endParaRPr lang="da-DK" sz="1800" b="0" dirty="0" smtClean="0">
+              <a:solidFill>
+                <a:srgbClr val="002060"/>
+              </a:solidFill>
+            </a:endParaRPr>
           </a:p>
           <a:p>
             <a:pPr>
@@ -3879,11 +4153,7 @@
             </a:pPr>
             <a:r>
               <a:rPr lang="da-DK" sz="1800" b="0" dirty="0" smtClean="0"/>
-              <a:t>Inden køreprøven skal du have </a:t>
-            </a:r>
-            <a:r>
-              <a:rPr lang="da-DK" sz="1800" b="0" dirty="0" smtClean="0"/>
-              <a:t>godkendt </a:t>
+              <a:t>Inden køreprøven skal du have godkendt </a:t>
             </a:r>
             <a:r>
               <a:rPr lang="da-DK" sz="1800" dirty="0" smtClean="0"/>
@@ -3899,13 +4169,8 @@
             </a:r>
             <a:r>
               <a:rPr lang="da-DK" sz="1800" b="0" dirty="0" smtClean="0"/>
-              <a:t> (inklusiv Quiz 1-4</a:t>
-            </a:r>
-            <a:r>
-              <a:rPr lang="da-DK" sz="1800" b="0" dirty="0" smtClean="0"/>
-              <a:t>). Hvis der mangler opgaver fratrækkes 1,0 point pr opgave, der ikke er godkendt</a:t>
-            </a:r>
-            <a:endParaRPr lang="da-DK" sz="1800" b="0" dirty="0" smtClean="0"/>
+              <a:t> (inklusiv Quiz 1-4). Hvis der mangler opgaver fratrækkes 1,0 point pr opgave, der ikke er godkendt</a:t>
+            </a:r>
           </a:p>
           <a:p>
             <a:pPr>
@@ -4047,7 +4312,19 @@
               <a:rPr lang="da-DK" sz="1800" spc="-50" dirty="0">
                 <a:cs typeface="ＭＳ Ｐゴシック" charset="-128"/>
               </a:rPr>
-              <a:t>Vi starter med en kort gennemgang af </a:t>
+              <a:t>Vi starter med en kort </a:t>
+            </a:r>
+            <a:r>
+              <a:rPr lang="da-DK" sz="1800" spc="-50" dirty="0" smtClean="0">
+                <a:cs typeface="ＭＳ Ｐゴシック" charset="-128"/>
+              </a:rPr>
+              <a:t>repetition </a:t>
+            </a:r>
+            <a:r>
+              <a:rPr lang="da-DK" sz="1800" spc="-50" dirty="0">
+                <a:cs typeface="ＭＳ Ｐゴシック" charset="-128"/>
+              </a:rPr>
+              <a:t>af </a:t>
             </a:r>
             <a:r>
               <a:rPr lang="da-DK" sz="1800" b="1" spc="-50" dirty="0">
@@ -4067,63 +4344,6 @@
               </a:rPr>
               <a:t>(som beskrevet i dette slides sæt)</a:t>
             </a:r>
-          </a:p>
-          <a:p>
-            <a:pPr marL="342900" lvl="1" indent="-342900">
-              <a:spcBef>
-                <a:spcPts val="600"/>
-              </a:spcBef>
-              <a:buFont typeface="Arial" panose="020B0604020202020204" pitchFamily="34" charset="0"/>
-              <a:buChar char="•"/>
-            </a:pPr>
-            <a:r>
-              <a:rPr lang="da-DK" sz="1800" dirty="0" smtClean="0">
-                <a:cs typeface="ＭＳ Ｐゴシック" charset="-128"/>
-              </a:rPr>
-              <a:t>Derefter offentliggøres </a:t>
-            </a:r>
-            <a:r>
-              <a:rPr lang="da-DK" sz="1800" b="1" dirty="0" smtClean="0">
-                <a:cs typeface="ＭＳ Ｐゴシック" charset="-128"/>
-              </a:rPr>
-              <a:t>opgavesættet</a:t>
-            </a:r>
-            <a:r>
-              <a:rPr lang="da-DK" sz="1800" dirty="0" smtClean="0">
-                <a:cs typeface="ＭＳ Ｐゴシック" charset="-128"/>
-              </a:rPr>
-              <a:t> ved at en ny side ”Køreprøveopgave”, der befinder sig umiddelbart under ”Vigtige meddelelser”, gøres synlig for jer</a:t>
-            </a:r>
-          </a:p>
-          <a:p>
-            <a:pPr marL="342900" lvl="1" indent="-342900">
-              <a:spcBef>
-                <a:spcPts val="600"/>
-              </a:spcBef>
-              <a:buFont typeface="Arial" panose="020B0604020202020204" pitchFamily="34" charset="0"/>
-              <a:buChar char="•"/>
-            </a:pPr>
-            <a:r>
-              <a:rPr lang="da-DK" sz="1800" spc="-40" dirty="0" smtClean="0">
-                <a:cs typeface="ＭＳ Ｐゴシック" charset="-128"/>
-              </a:rPr>
-              <a:t>Hvis I har mulighed for det, vil det nok være nyttigt at </a:t>
-            </a:r>
-            <a:r>
-              <a:rPr lang="da-DK" sz="1800" b="1" spc="-40" dirty="0" smtClean="0">
-                <a:cs typeface="ＭＳ Ｐゴシック" charset="-128"/>
-              </a:rPr>
-              <a:t>printe</a:t>
-            </a:r>
-            <a:r>
-              <a:rPr lang="da-DK" sz="1800" spc="-40" dirty="0" smtClean="0">
-                <a:cs typeface="ＭＳ Ｐゴシック" charset="-128"/>
-              </a:rPr>
-              <a:t> opgaveformuleringen</a:t>
-            </a:r>
-            <a:endParaRPr lang="da-DK" sz="1800" spc="-40" dirty="0">
-              <a:cs typeface="ＭＳ Ｐゴシック" charset="-128"/>
-            </a:endParaRPr>
           </a:p>
         </p:txBody>
       </p:sp>
@@ -4236,7 +4456,7 @@
           <a:p>
             <a:pPr marL="342900" lvl="1" indent="-342900">
               <a:spcBef>
-                <a:spcPts val="1800"/>
+                <a:spcPts val="600"/>
               </a:spcBef>
               <a:buFont typeface="Arial" panose="020B0604020202020204" pitchFamily="34" charset="0"/>
               <a:buChar char="•"/>
@@ -4248,7 +4468,7 @@
                 </a:solidFill>
                 <a:cs typeface="ＭＳ Ｐゴシック" pitchFamily="-106" charset="-128"/>
               </a:rPr>
-              <a:t>Hver </a:t>
+              <a:t>Opgavesættet </a:t>
             </a:r>
             <a:r>
               <a:rPr lang="da-DK" sz="1800" dirty="0">
@@ -4257,25 +4477,61 @@
                 </a:solidFill>
                 <a:cs typeface="ＭＳ Ｐゴシック" pitchFamily="-106" charset="-128"/>
               </a:rPr>
-              <a:t>eksaminand skal individuelt løse en </a:t>
-            </a:r>
-            <a:r>
-              <a:rPr lang="da-DK" sz="1800" b="1" dirty="0">
+              <a:t>består af </a:t>
+            </a:r>
+            <a:r>
+              <a:rPr lang="da-DK" sz="1800" b="1" dirty="0" smtClean="0">
                 <a:solidFill>
                   <a:srgbClr val="002060"/>
                 </a:solidFill>
                 <a:cs typeface="ＭＳ Ｐゴシック" pitchFamily="-106" charset="-128"/>
               </a:rPr>
-              <a:t>simpel programmeringsopgave</a:t>
-            </a:r>
-            <a:r>
-              <a:rPr lang="da-DK" sz="1800" dirty="0">
+              <a:t>10 spørgsmål</a:t>
+            </a:r>
+            <a:r>
+              <a:rPr lang="da-DK" sz="1800" dirty="0" smtClean="0">
                 <a:solidFill>
                   <a:srgbClr val="002060"/>
                 </a:solidFill>
                 <a:cs typeface="ＭＳ Ｐゴシック" pitchFamily="-106" charset="-128"/>
               </a:rPr>
+              <a:t>, som du </a:t>
+            </a:r>
+            <a:r>
+              <a:rPr lang="da-DK" sz="1800" b="1" dirty="0" smtClean="0">
+                <a:solidFill>
+                  <a:srgbClr val="008000"/>
+                </a:solidFill>
+                <a:cs typeface="ＭＳ Ｐゴシック" pitchFamily="-106" charset="-128"/>
+              </a:rPr>
+              <a:t>skal</a:t>
+            </a:r>
+            <a:r>
+              <a:rPr lang="da-DK" sz="1800" dirty="0" smtClean="0">
+                <a:solidFill>
+                  <a:srgbClr val="002060"/>
+                </a:solidFill>
+                <a:cs typeface="ＭＳ Ｐゴシック" pitchFamily="-106" charset="-128"/>
+              </a:rPr>
               <a:t> </a:t>
+            </a:r>
+            <a:r>
+              <a:rPr lang="da-DK" sz="1800" dirty="0" smtClean="0">
+                <a:solidFill>
+                  <a:srgbClr val="002060"/>
+                </a:solidFill>
+                <a:cs typeface="ＭＳ Ｐゴシック" pitchFamily="-106" charset="-128"/>
+              </a:rPr>
+              <a:t>løse i </a:t>
+            </a:r>
+            <a:r>
+              <a:rPr lang="da-DK" sz="1800" b="1" dirty="0" smtClean="0">
+                <a:solidFill>
+                  <a:srgbClr val="002060"/>
+                </a:solidFill>
+                <a:cs typeface="ＭＳ Ｐゴシック" pitchFamily="-106" charset="-128"/>
+              </a:rPr>
+              <a:t>rækkefølge</a:t>
             </a:r>
           </a:p>
           <a:p>
@@ -4287,106 +4543,150 @@
               <a:buChar char="•"/>
             </a:pPr>
             <a:r>
+              <a:rPr lang="da-DK" sz="1800" dirty="0">
+                <a:solidFill>
+                  <a:srgbClr val="002060"/>
+                </a:solidFill>
+                <a:cs typeface="ＭＳ Ｐゴシック" charset="-128"/>
+              </a:rPr>
+              <a:t>Undervejs er der </a:t>
+            </a:r>
+            <a:r>
               <a:rPr lang="da-DK" sz="1800" dirty="0" smtClean="0">
                 <a:solidFill>
                   <a:srgbClr val="002060"/>
                 </a:solidFill>
-                <a:cs typeface="ＭＳ Ｐゴシック" pitchFamily="-106" charset="-128"/>
-              </a:rPr>
-              <a:t>Opgavesættet </a:t>
+                <a:cs typeface="ＭＳ Ｐゴシック" charset="-128"/>
+              </a:rPr>
+              <a:t>fire </a:t>
+            </a:r>
+            <a:r>
+              <a:rPr lang="da-DK" sz="1800" b="1" dirty="0">
+                <a:solidFill>
+                  <a:srgbClr val="002060"/>
+                </a:solidFill>
+                <a:cs typeface="ＭＳ Ｐゴシック" charset="-128"/>
+              </a:rPr>
+              <a:t>tjekpunkter</a:t>
             </a:r>
             <a:r>
               <a:rPr lang="da-DK" sz="1800" dirty="0">
                 <a:solidFill>
                   <a:srgbClr val="002060"/>
                 </a:solidFill>
-                <a:cs typeface="ＭＳ Ｐゴシック" pitchFamily="-106" charset="-128"/>
-              </a:rPr>
-              <a:t>består af </a:t>
-            </a:r>
-            <a:r>
-              <a:rPr lang="da-DK" sz="1800" b="1" dirty="0" smtClean="0">
+                <a:cs typeface="ＭＳ Ｐゴシック" charset="-128"/>
+              </a:rPr>
+              <a:t>. Ved disse </a:t>
+            </a:r>
+            <a:r>
+              <a:rPr lang="da-DK" sz="1800" b="1" dirty="0">
+                <a:solidFill>
+                  <a:srgbClr val="008000"/>
+                </a:solidFill>
+              </a:rPr>
+              <a:t>skal</a:t>
+            </a:r>
+            <a:r>
+              <a:rPr lang="da-DK" sz="1800" dirty="0">
                 <a:solidFill>
                   <a:srgbClr val="002060"/>
                 </a:solidFill>
-                <a:cs typeface="ＭＳ Ｐゴシック" pitchFamily="-106" charset="-128"/>
-              </a:rPr>
-              <a:t>10 spørgsmål</a:t>
-            </a:r>
-            <a:r>
-              <a:rPr lang="da-DK" sz="1800" dirty="0" smtClean="0">
+                <a:cs typeface="ＭＳ Ｐゴシック" charset="-128"/>
+              </a:rPr>
+              <a:t> du tilkalde en </a:t>
+            </a:r>
+            <a:r>
+              <a:rPr lang="da-DK" sz="1800" b="1" dirty="0">
                 <a:solidFill>
                   <a:srgbClr val="002060"/>
                 </a:solidFill>
-                <a:cs typeface="ＭＳ Ｐゴシック" pitchFamily="-106" charset="-128"/>
-              </a:rPr>
-              <a:t>, som vi anbefaler, at man løser i </a:t>
-            </a:r>
-            <a:r>
-              <a:rPr lang="da-DK" sz="1800" b="1" dirty="0" smtClean="0">
+                <a:cs typeface="ＭＳ Ｐゴシック" charset="-128"/>
+              </a:rPr>
+              <a:t>instruktor</a:t>
+            </a:r>
+            <a:r>
+              <a:rPr lang="da-DK" sz="1800" dirty="0">
                 <a:solidFill>
                   <a:srgbClr val="002060"/>
                 </a:solidFill>
-                <a:cs typeface="ＭＳ Ｐゴシック" pitchFamily="-106" charset="-128"/>
-              </a:rPr>
-              <a:t>rækkefølge</a:t>
+                <a:cs typeface="ＭＳ Ｐゴシック" charset="-128"/>
+              </a:rPr>
+              <a:t/>
+            </a:r>
+            <a:br>
+              <a:rPr lang="da-DK" sz="1800" dirty="0">
+                <a:solidFill>
+                  <a:srgbClr val="002060"/>
+                </a:solidFill>
+                <a:cs typeface="ＭＳ Ｐゴシック" charset="-128"/>
+              </a:rPr>
+            </a:br>
+            <a:r>
+              <a:rPr lang="da-DK" sz="1800" dirty="0">
+                <a:solidFill>
+                  <a:srgbClr val="002060"/>
+                </a:solidFill>
+                <a:cs typeface="ＭＳ Ｐゴシック" charset="-128"/>
+              </a:rPr>
+              <a:t>(og være klar til at demonstrere din kode)</a:t>
             </a:r>
           </a:p>
           <a:p>
             <a:pPr marL="342900" lvl="1" indent="-342900">
               <a:spcBef>
-                <a:spcPts val="600"/>
+                <a:spcPts val="1800"/>
               </a:spcBef>
               <a:buFont typeface="Arial" panose="020B0604020202020204" pitchFamily="34" charset="0"/>
               <a:buChar char="•"/>
             </a:pPr>
             <a:r>
-              <a:rPr lang="da-DK" sz="1800" dirty="0" smtClean="0">
-                <a:solidFill>
-                  <a:srgbClr val="002060"/>
-                </a:solidFill>
-                <a:cs typeface="ＭＳ Ｐゴシック" pitchFamily="-106" charset="-128"/>
-              </a:rPr>
-              <a:t>Springer man et spørgsmål over, kan det være vanskeligt/umuligt at løse nogle af de efterfølgende (det gælder specielt de første spørgsmål)</a:t>
-            </a:r>
-            <a:endParaRPr lang="da-DK" sz="1800" dirty="0">
-              <a:solidFill>
-                <a:srgbClr val="002060"/>
-              </a:solidFill>
-              <a:cs typeface="ＭＳ Ｐゴシック" pitchFamily="-106" charset="-128"/>
-            </a:endParaRPr>
+              <a:rPr lang="da-DK" sz="1800" dirty="0">
+                <a:solidFill>
+                  <a:srgbClr val="A50021"/>
+                </a:solidFill>
+              </a:rPr>
+              <a:t>Det er vigtigt, at du husker at få din kode </a:t>
+            </a:r>
+            <a:r>
+              <a:rPr lang="da-DK" sz="1800" b="1" dirty="0">
+                <a:solidFill>
+                  <a:srgbClr val="A50021"/>
+                </a:solidFill>
+              </a:rPr>
+              <a:t>godkendt af en instruktor</a:t>
+            </a:r>
+            <a:r>
+              <a:rPr lang="da-DK" sz="1800" dirty="0">
+                <a:solidFill>
+                  <a:srgbClr val="A50021"/>
+                </a:solidFill>
+              </a:rPr>
+              <a:t> – hver gang du passerer et </a:t>
+            </a:r>
+            <a:r>
+              <a:rPr lang="da-DK" sz="1800" b="1" dirty="0">
+                <a:solidFill>
+                  <a:srgbClr val="A50021"/>
+                </a:solidFill>
+              </a:rPr>
+              <a:t>tjekpunkt</a:t>
+            </a:r>
           </a:p>
           <a:p>
             <a:pPr marL="342900" lvl="1" indent="-342900">
               <a:spcBef>
-                <a:spcPts val="1800"/>
+                <a:spcPts val="600"/>
               </a:spcBef>
               <a:buFont typeface="Arial" panose="020B0604020202020204" pitchFamily="34" charset="0"/>
               <a:buChar char="•"/>
             </a:pPr>
             <a:r>
-              <a:rPr lang="da-DK" sz="1800" dirty="0" smtClean="0">
-                <a:solidFill>
-                  <a:srgbClr val="A50021"/>
-                </a:solidFill>
-              </a:rPr>
-              <a:t>Da eksamen afvikles via Zoom, tjekker vi </a:t>
-            </a:r>
-            <a:r>
-              <a:rPr lang="da-DK" sz="1800" b="1" u="sng" dirty="0" smtClean="0">
-                <a:solidFill>
-                  <a:srgbClr val="A50021"/>
-                </a:solidFill>
-              </a:rPr>
-              <a:t>ikke</a:t>
-            </a:r>
-            <a:r>
-              <a:rPr lang="da-DK" sz="1800" dirty="0" smtClean="0">
-                <a:solidFill>
-                  <a:srgbClr val="A50021"/>
-                </a:solidFill>
-              </a:rPr>
-              <a:t> din kode, når du passerer et tjekpunkt – idet vi vurderer, at det vil tage for lang tid og give et for stort afbræk</a:t>
+              <a:rPr lang="da-DK" sz="1800" dirty="0">
+                <a:solidFill>
+                  <a:srgbClr val="A50021"/>
+                </a:solidFill>
+              </a:rPr>
+              <a:t>På den måde undgår du at forsætte uden at det, som du har lavet, er korrekt</a:t>
             </a:r>
           </a:p>
           <a:p>
@@ -4398,20 +4698,50 @@
               <a:buChar char="•"/>
             </a:pPr>
             <a:r>
-              <a:rPr lang="da-DK" sz="1800" dirty="0" smtClean="0">
+              <a:rPr lang="da-DK" sz="1800" dirty="0">
                 <a:solidFill>
                   <a:srgbClr val="A50021"/>
                 </a:solidFill>
                 <a:cs typeface="ＭＳ Ｐゴシック" pitchFamily="-106" charset="-128"/>
               </a:rPr>
-              <a:t>Vi tjekker derfor først din kode, når du har afleveret</a:t>
-            </a:r>
-            <a:endParaRPr lang="da-DK" sz="1800" dirty="0">
-              <a:solidFill>
-                <a:srgbClr val="A50021"/>
-              </a:solidFill>
-              <a:cs typeface="ＭＳ Ｐゴシック" pitchFamily="-106" charset="-128"/>
-            </a:endParaRPr>
+              <a:t>Derudover skal vi have </a:t>
+            </a:r>
+            <a:r>
+              <a:rPr lang="da-DK" sz="1800" b="1" dirty="0">
+                <a:solidFill>
+                  <a:srgbClr val="A50021"/>
+                </a:solidFill>
+                <a:cs typeface="ＭＳ Ｐゴシック" pitchFamily="-106" charset="-128"/>
+              </a:rPr>
+              <a:t>registreret</a:t>
+            </a:r>
+            <a:r>
+              <a:rPr lang="da-DK" sz="1800" dirty="0">
+                <a:solidFill>
+                  <a:srgbClr val="A50021"/>
+                </a:solidFill>
+                <a:cs typeface="ＭＳ Ｐゴシック" pitchFamily="-106" charset="-128"/>
+              </a:rPr>
+              <a:t>, at du har klaret tjekpunktet.</a:t>
+            </a:r>
+          </a:p>
+          <a:p>
+            <a:pPr marL="342900" lvl="1" indent="-342900">
+              <a:spcBef>
+                <a:spcPts val="600"/>
+              </a:spcBef>
+              <a:buFont typeface="Arial" panose="020B0604020202020204" pitchFamily="34" charset="0"/>
+              <a:buChar char="•"/>
+            </a:pPr>
+            <a:r>
+              <a:rPr lang="da-DK" sz="1800" dirty="0">
+                <a:solidFill>
+                  <a:srgbClr val="A50021"/>
+                </a:solidFill>
+                <a:cs typeface="ＭＳ Ｐゴシック" pitchFamily="-106" charset="-128"/>
+              </a:rPr>
+              <a:t>Efter køreprøven ser vi kun på din kode, hvis der opstår tvivlsspørgsmål</a:t>
+            </a:r>
           </a:p>
           <a:p>
             <a:pPr>
@@ -4871,22 +5201,38 @@
           <a:p>
             <a:pPr marL="357188" lvl="1" indent="-357188">
               <a:spcBef>
-                <a:spcPts val="1800"/>
+                <a:spcPts val="1200"/>
               </a:spcBef>
               <a:buFont typeface="Arial" panose="020B0604020202020204" pitchFamily="34" charset="0"/>
               <a:buChar char="•"/>
             </a:pPr>
             <a:r>
-              <a:rPr lang="da-DK" sz="1800" dirty="0" smtClean="0"/>
-              <a:t>Da vi ikke har nogen mulighed for at tjekke, hvad I bruger, er </a:t>
-            </a:r>
-            <a:r>
-              <a:rPr lang="da-DK" sz="1800" b="1" dirty="0" smtClean="0"/>
-              <a:t>alle hjælpemidler</a:t>
-            </a:r>
-            <a:r>
-              <a:rPr lang="da-DK" sz="1800" dirty="0" smtClean="0"/>
-              <a:t> tilladt </a:t>
+              <a:rPr lang="da-DK" sz="1800" dirty="0"/>
+              <a:t>Eneste tilladte hjælpemidler er </a:t>
+            </a:r>
+            <a:r>
+              <a:rPr lang="da-DK" sz="1800" dirty="0" err="1"/>
+              <a:t>JavaDoc</a:t>
+            </a:r>
+            <a:r>
+              <a:rPr lang="da-DK" sz="1800" dirty="0"/>
+              <a:t> for </a:t>
+            </a:r>
+            <a:r>
+              <a:rPr lang="da-DK" sz="1800" b="1" dirty="0"/>
+              <a:t>Javas klassebibliotek</a:t>
+            </a:r>
+            <a:r>
+              <a:rPr lang="da-DK" sz="1800" dirty="0"/>
+              <a:t> (API) samt </a:t>
+            </a:r>
+            <a:r>
+              <a:rPr lang="da-DK" sz="1800" b="1" dirty="0"/>
+              <a:t>BlueJ editoren</a:t>
+            </a:r>
+            <a:r>
+              <a:rPr lang="da-DK" sz="1800" dirty="0"/>
+              <a:t> (eller en anden Java editor)</a:t>
             </a:r>
           </a:p>
           <a:p>
@@ -4898,40 +5244,36 @@
               <a:buChar char="•"/>
             </a:pPr>
             <a:r>
-              <a:rPr lang="da-DK" sz="1800" dirty="0" smtClean="0"/>
-              <a:t>Man må også</a:t>
-            </a:r>
-            <a:r>
-              <a:rPr lang="da-DK" sz="1800" b="1" dirty="0" smtClean="0"/>
-              <a:t> </a:t>
+              <a:rPr lang="da-DK" sz="1800" dirty="0"/>
+              <a:t>Man må </a:t>
+            </a:r>
+            <a:r>
+              <a:rPr lang="da-DK" sz="1800" b="1" u="sng" dirty="0"/>
+              <a:t>ikke</a:t>
             </a:r>
             <a:r>
               <a:rPr lang="da-DK" sz="1800" b="1" dirty="0"/>
-              <a:t>auto-generere</a:t>
+              <a:t> auto-generere</a:t>
             </a:r>
             <a:r>
               <a:rPr lang="da-DK" sz="1800" dirty="0"/>
-              <a:t> kode </a:t>
-            </a:r>
-            <a:r>
-              <a:rPr lang="da-DK" sz="1800" dirty="0" smtClean="0"/>
-              <a:t>for konstruktører</a:t>
+              <a:t> kode for konstruktører, </a:t>
+            </a:r>
+            <a:r>
+              <a:rPr lang="da-DK" sz="1800" dirty="0" err="1"/>
+              <a:t>accessor</a:t>
             </a:r>
             <a:r>
               <a:rPr lang="da-DK" sz="1800" dirty="0"/>
-              <a:t>, </a:t>
-            </a:r>
-            <a:r>
-              <a:rPr lang="da-DK" sz="1800" dirty="0" smtClean="0"/>
-              <a:t>accessor metoder</a:t>
+              <a:t> metoder, import sætninger og lignende (men man må godt auto-</a:t>
+            </a:r>
+            <a:r>
+              <a:rPr lang="da-DK" sz="1800" dirty="0" err="1"/>
+              <a:t>extende</a:t>
             </a:r>
             <a:r>
               <a:rPr lang="da-DK" sz="1800" dirty="0"/>
-              <a:t>, import sætninger og </a:t>
-            </a:r>
-            <a:r>
-              <a:rPr lang="da-DK" sz="1800" dirty="0" smtClean="0"/>
-              <a:t>lignende</a:t>
+              <a:t> variabel- og metodenavne)</a:t>
             </a:r>
           </a:p>
           <a:p>
@@ -4943,12 +5285,8 @@
               <a:buChar char="•"/>
             </a:pPr>
             <a:r>
-              <a:rPr lang="da-DK" sz="1800" dirty="0" smtClean="0"/>
-              <a:t>Det </a:t>
-            </a:r>
-            <a:r>
               <a:rPr lang="da-DK" sz="1800" dirty="0"/>
-              <a:t>er </a:t>
+              <a:t>Det er </a:t>
             </a:r>
             <a:r>
               <a:rPr lang="da-DK" sz="1800" b="1" u="sng" dirty="0"/>
@@ -4956,105 +5294,69 @@
             </a:r>
             <a:r>
               <a:rPr lang="da-DK" sz="1800" dirty="0"/>
-              <a:t> </a:t>
-            </a:r>
-            <a:r>
-              <a:rPr lang="da-DK" sz="1800" dirty="0" smtClean="0"/>
-              <a:t>tilladt, at andre personer opholder sig i samme lokale som jer under </a:t>
-            </a:r>
-            <a:r>
-              <a:rPr lang="da-DK" sz="1800" spc="-20" dirty="0" smtClean="0"/>
-              <a:t>prøven, og man må heller ikke kommunikere med udenforstående under prøven</a:t>
+              <a:t> tilladt at benytte bogen eller at tilgå andet materiale, herunder slides, noter og gamle BlueJ projekter</a:t>
             </a:r>
           </a:p>
           <a:p>
             <a:pPr marL="357188" lvl="1" indent="-357188">
               <a:spcBef>
-                <a:spcPts val="1800"/>
+                <a:spcPts val="600"/>
               </a:spcBef>
               <a:buFont typeface="Arial" panose="020B0604020202020204" pitchFamily="34" charset="0"/>
               <a:buChar char="•"/>
             </a:pPr>
             <a:r>
-              <a:rPr lang="da-DK" sz="1800" dirty="0" smtClean="0">
-                <a:solidFill>
-                  <a:srgbClr val="A50021"/>
-                </a:solidFill>
-              </a:rPr>
-              <a:t>Man får op til </a:t>
-            </a:r>
-            <a:r>
-              <a:rPr lang="da-DK" sz="1800" b="1" dirty="0">
-                <a:solidFill>
-                  <a:srgbClr val="A50021"/>
-                </a:solidFill>
-              </a:rPr>
-              <a:t>2 point</a:t>
-            </a:r>
-            <a:r>
-              <a:rPr lang="da-DK" sz="1800" dirty="0">
-                <a:solidFill>
-                  <a:srgbClr val="A50021"/>
-                </a:solidFill>
-              </a:rPr>
-              <a:t> for </a:t>
-            </a:r>
-            <a:r>
-              <a:rPr lang="da-DK" sz="1800" b="1" dirty="0">
-                <a:solidFill>
-                  <a:srgbClr val="A50021"/>
-                </a:solidFill>
-              </a:rPr>
-              <a:t>hvert tjekpunkt</a:t>
-            </a:r>
-            <a:r>
-              <a:rPr lang="da-DK" sz="1800" dirty="0">
-                <a:solidFill>
-                  <a:srgbClr val="A50021"/>
-                </a:solidFill>
-              </a:rPr>
-              <a:t>, dvs. at fuld besvarelse giver 8 </a:t>
-            </a:r>
-            <a:r>
-              <a:rPr lang="da-DK" sz="1800" dirty="0" smtClean="0">
-                <a:solidFill>
-                  <a:srgbClr val="A50021"/>
-                </a:solidFill>
-              </a:rPr>
-              <a:t>point</a:t>
+              <a:rPr lang="da-DK" sz="1800" dirty="0"/>
+              <a:t>Bliver man taget i dette, </a:t>
+            </a:r>
+            <a:r>
+              <a:rPr lang="da-DK" sz="1800" b="1" dirty="0"/>
+              <a:t>bortvises</a:t>
+            </a:r>
+            <a:r>
+              <a:rPr lang="da-DK" sz="1800" dirty="0"/>
+              <a:t> man fra prøven (og får 0 point)</a:t>
             </a:r>
           </a:p>
           <a:p>
             <a:pPr marL="357188" lvl="1" indent="-357188">
               <a:spcBef>
-                <a:spcPts val="600"/>
+                <a:spcPts val="1800"/>
               </a:spcBef>
               <a:buFont typeface="Arial" panose="020B0604020202020204" pitchFamily="34" charset="0"/>
               <a:buChar char="•"/>
             </a:pPr>
             <a:r>
-              <a:rPr lang="da-DK" sz="1800" dirty="0" smtClean="0">
-                <a:solidFill>
-                  <a:srgbClr val="A50021"/>
-                </a:solidFill>
-              </a:rPr>
-              <a:t>Hvis et tjekpunkt er </a:t>
-            </a:r>
-            <a:r>
-              <a:rPr lang="da-DK" sz="1800" b="1" dirty="0" smtClean="0">
-                <a:solidFill>
-                  <a:srgbClr val="A50021"/>
-                </a:solidFill>
-              </a:rPr>
-              <a:t>delvist besvaret</a:t>
-            </a:r>
-            <a:r>
-              <a:rPr lang="da-DK" sz="1800" dirty="0" smtClean="0">
-                <a:solidFill>
-                  <a:srgbClr val="A50021"/>
-                </a:solidFill>
-              </a:rPr>
-              <a:t> kan man få 0,5, 1,0 eller 1,5 point for det</a:t>
+              <a:rPr lang="da-DK" sz="1800" dirty="0">
+                <a:solidFill>
+                  <a:srgbClr val="A50021"/>
+                </a:solidFill>
+              </a:rPr>
+              <a:t>Det er normalt </a:t>
+            </a:r>
+            <a:r>
+              <a:rPr lang="da-DK" sz="1800" b="1" u="sng" dirty="0">
+                <a:solidFill>
+                  <a:srgbClr val="A50021"/>
+                </a:solidFill>
+              </a:rPr>
+              <a:t>ikke</a:t>
+            </a:r>
+            <a:r>
+              <a:rPr lang="da-DK" sz="1800" dirty="0">
+                <a:solidFill>
+                  <a:srgbClr val="A50021"/>
+                </a:solidFill>
+              </a:rPr>
+              <a:t> tilladt at benytte </a:t>
+            </a:r>
+            <a:r>
+              <a:rPr lang="da-DK" sz="1800" b="1" dirty="0">
+                <a:solidFill>
+                  <a:srgbClr val="A50021"/>
+                </a:solidFill>
+              </a:rPr>
+              <a:t>høretelefoner</a:t>
             </a:r>
             <a:endParaRPr lang="da-DK" sz="1800" dirty="0">
               <a:solidFill>
@@ -5065,7 +5367,7 @@
           <a:p>
             <a:pPr marL="357188" lvl="1" indent="-357188">
               <a:spcBef>
-                <a:spcPts val="400"/>
+                <a:spcPts val="600"/>
               </a:spcBef>
               <a:buFont typeface="Arial" panose="020B0604020202020204" pitchFamily="34" charset="0"/>
               <a:buChar char="•"/>
@@ -5076,83 +5378,25 @@
                   <a:srgbClr val="A50021"/>
                 </a:solidFill>
               </a:rPr>
-              <a:t>Man kan </a:t>
-            </a:r>
-            <a:r>
-              <a:rPr lang="da-DK" sz="1800" b="1" dirty="0">
-                <a:solidFill>
-                  <a:srgbClr val="A50021"/>
-                </a:solidFill>
-              </a:rPr>
-              <a:t>ikke</a:t>
-            </a:r>
-            <a:r>
-              <a:rPr lang="da-DK" sz="1800" dirty="0">
-                <a:solidFill>
-                  <a:srgbClr val="A50021"/>
-                </a:solidFill>
-              </a:rPr>
-              <a:t> dumpe køreprøven, men da det er en obligatorisk opgave skal man </a:t>
-            </a:r>
-            <a:r>
-              <a:rPr lang="da-DK" sz="1800" b="1" dirty="0" smtClean="0">
-                <a:solidFill>
-                  <a:srgbClr val="A50021"/>
-                </a:solidFill>
-              </a:rPr>
-              <a:t>deltage</a:t>
-            </a:r>
-            <a:endParaRPr lang="da-DK" sz="1800" b="1" dirty="0">
-              <a:solidFill>
-                <a:srgbClr val="A50021"/>
-              </a:solidFill>
-            </a:endParaRPr>
+              <a:t>Man må gerne bruge  ørepropper, og ved prøvens start kan man bede om at blive placeret i et roligt hjørne af lokalet</a:t>
+            </a:r>
           </a:p>
           <a:p>
             <a:pPr marL="357188" lvl="1" indent="-357188">
               <a:spcBef>
-                <a:spcPts val="400"/>
+                <a:spcPts val="600"/>
               </a:spcBef>
               <a:buFont typeface="Arial" panose="020B0604020202020204" pitchFamily="34" charset="0"/>
               <a:buChar char="•"/>
             </a:pPr>
             <a:r>
-              <a:rPr lang="da-DK" sz="1800" dirty="0">
-                <a:solidFill>
-                  <a:srgbClr val="A50021"/>
-                </a:solidFill>
-              </a:rPr>
-              <a:t>Pointene tæller med ved fastlæggelsen af den </a:t>
-            </a:r>
-            <a:r>
-              <a:rPr lang="da-DK" sz="1800" b="1" dirty="0">
-                <a:solidFill>
-                  <a:srgbClr val="A50021"/>
-                </a:solidFill>
-              </a:rPr>
-              <a:t>endelige karakter</a:t>
-            </a:r>
-            <a:r>
-              <a:rPr lang="da-DK" sz="1800" dirty="0">
-                <a:solidFill>
-                  <a:srgbClr val="A50021"/>
-                </a:solidFill>
-              </a:rPr>
-              <a:t> for </a:t>
-            </a:r>
-            <a:r>
-              <a:rPr lang="da-DK" sz="1800" dirty="0" smtClean="0">
-                <a:solidFill>
-                  <a:srgbClr val="A50021"/>
-                </a:solidFill>
-              </a:rPr>
-              <a:t>kurset</a:t>
-            </a:r>
-            <a:endParaRPr lang="da-DK" sz="1800" dirty="0">
-              <a:solidFill>
-                <a:srgbClr val="A50021"/>
-              </a:solidFill>
-            </a:endParaRPr>
+              <a:rPr lang="da-DK" sz="1800" spc="-60" dirty="0">
+                <a:solidFill>
+                  <a:srgbClr val="A50021"/>
+                </a:solidFill>
+              </a:rPr>
+              <a:t>Personer med specielle handicaps kan søge om tilladelse til at bruge høretelefoner ved at sende en mail til Kurt Jensen senest 1 uge inden køreprøven</a:t>
+            </a:r>
           </a:p>
         </p:txBody>
       </p:sp>
@@ -5235,11 +5479,14 @@
           <a:p>
             <a:pPr eaLnBrk="1" hangingPunct="1"/>
             <a:r>
-              <a:rPr lang="da-DK" altLang="da-DK" sz="3200" noProof="0" dirty="0" smtClean="0">
-                <a:ea typeface="ＭＳ Ｐゴシック" pitchFamily="34" charset="-128"/>
-              </a:rPr>
-              <a:t>Afslutning / hjælp</a:t>
-            </a:r>
+              <a:rPr lang="da-DK" altLang="da-DK" sz="3200" dirty="0" smtClean="0">
+                <a:ea typeface="ＭＳ Ｐゴシック" pitchFamily="34" charset="-128"/>
+              </a:rPr>
+              <a:t>Andre ting</a:t>
+            </a:r>
+            <a:endParaRPr lang="da-DK" altLang="da-DK" sz="3200" noProof="0" dirty="0" smtClean="0">
+              <a:ea typeface="ＭＳ Ｐゴシック" pitchFamily="34" charset="-128"/>
+            </a:endParaRPr>
           </a:p>
         </p:txBody>
       </p:sp>
@@ -5255,431 +5502,154 @@
         </p:nvSpPr>
         <p:spPr>
           <a:xfrm>
-            <a:off x="468313" y="974985"/>
-            <a:ext cx="8496175" cy="5184576"/>
+            <a:off x="468313" y="1052513"/>
+            <a:ext cx="8424167" cy="2160463"/>
           </a:xfrm>
         </p:spPr>
         <p:txBody>
           <a:bodyPr/>
           <a:lstStyle/>
           <a:p>
-            <a:r>
-              <a:rPr lang="da-DK" sz="1800" b="0" dirty="0" smtClean="0"/>
-              <a:t>Ved køreprøvens start går I ind i det </a:t>
-            </a:r>
-            <a:r>
-              <a:rPr lang="da-DK" sz="1800" dirty="0" smtClean="0"/>
-              <a:t>breakout rum</a:t>
-            </a:r>
-            <a:r>
-              <a:rPr lang="da-DK" sz="1800" b="0" dirty="0" smtClean="0"/>
-              <a:t>, der bærer jeres navn. Her skal I befinde jer under prøven</a:t>
-            </a:r>
-          </a:p>
-          <a:p>
-            <a:r>
-              <a:rPr lang="da-DK" sz="1800" b="0" dirty="0" smtClean="0"/>
-              <a:t>Hvis I får behov for </a:t>
-            </a:r>
-            <a:r>
-              <a:rPr lang="da-DK" sz="1800" dirty="0" smtClean="0"/>
-              <a:t>hjælp</a:t>
-            </a:r>
-            <a:r>
-              <a:rPr lang="da-DK" sz="1800" b="0" dirty="0" smtClean="0"/>
-              <a:t> (eller har spørgsmål til opgaven) tilkalder I en instruktor, på samme måde som under seminarerne, dvs. ved at trykke på linket ”</a:t>
-            </a:r>
-            <a:r>
-              <a:rPr lang="da-DK" sz="1800" dirty="0" smtClean="0"/>
-              <a:t>Tilkald hjælp</a:t>
-            </a:r>
-            <a:r>
-              <a:rPr lang="da-DK" sz="1800" b="0" dirty="0" smtClean="0"/>
-              <a:t>” under ”Seminar 1” i ”Program for seminarer”</a:t>
-            </a:r>
-          </a:p>
-          <a:p>
-            <a:r>
-              <a:rPr lang="da-DK" sz="1800" b="0" dirty="0"/>
-              <a:t>I kan dele jeres </a:t>
-            </a:r>
-            <a:r>
-              <a:rPr lang="da-DK" sz="1800" dirty="0"/>
-              <a:t>skærm</a:t>
-            </a:r>
-            <a:r>
-              <a:rPr lang="da-DK" sz="1800" b="0" dirty="0"/>
-              <a:t> ved at trykke på </a:t>
-            </a:r>
-            <a:r>
-              <a:rPr lang="da-DK" sz="1800" b="0" dirty="0" smtClean="0"/>
-              <a:t>”Share Screen”</a:t>
-            </a:r>
-            <a:endParaRPr lang="da-DK" sz="1800" b="0" dirty="0"/>
-          </a:p>
-          <a:p>
-            <a:r>
-              <a:rPr lang="da-DK" sz="1800" b="0" dirty="0" smtClean="0"/>
-              <a:t>Det </a:t>
-            </a:r>
-            <a:r>
-              <a:rPr lang="da-DK" sz="1800" b="0" dirty="0"/>
-              <a:t>er </a:t>
-            </a:r>
-            <a:r>
-              <a:rPr lang="da-DK" sz="1800" dirty="0"/>
-              <a:t>strengt forbudt</a:t>
-            </a:r>
-            <a:r>
-              <a:rPr lang="da-DK" sz="1800" b="0" dirty="0"/>
-              <a:t> at gå ind i </a:t>
-            </a:r>
-            <a:r>
-              <a:rPr lang="da-DK" sz="1800" dirty="0"/>
-              <a:t>andres</a:t>
-            </a:r>
-            <a:r>
-              <a:rPr lang="da-DK" sz="1800" b="0" dirty="0"/>
-              <a:t> </a:t>
-            </a:r>
-            <a:r>
-              <a:rPr lang="da-DK" sz="1800" b="0" dirty="0" smtClean="0"/>
-              <a:t>Breakout </a:t>
-            </a:r>
-            <a:r>
-              <a:rPr lang="da-DK" sz="1800" b="0" dirty="0"/>
-              <a:t>rum</a:t>
-            </a:r>
-          </a:p>
-          <a:p>
-            <a:r>
-              <a:rPr lang="da-DK" sz="1800" b="0" dirty="0" smtClean="0"/>
-              <a:t>Opstår der </a:t>
-            </a:r>
-            <a:r>
-              <a:rPr lang="da-DK" sz="1800" dirty="0" smtClean="0"/>
-              <a:t>tekniske problemer</a:t>
-            </a:r>
-            <a:r>
-              <a:rPr lang="da-DK" sz="1800" b="0" dirty="0" smtClean="0"/>
-              <a:t> omkring Breakout rummet, må I gerne gå tilbage til hovedrummet og snakke med os der</a:t>
-            </a:r>
-          </a:p>
-          <a:p>
-            <a:r>
-              <a:rPr lang="da-DK" sz="1800" b="0" dirty="0" smtClean="0"/>
-              <a:t>I nødsfald kan I </a:t>
-            </a:r>
-            <a:r>
-              <a:rPr lang="da-DK" sz="1800" dirty="0" smtClean="0"/>
-              <a:t>ringe</a:t>
-            </a:r>
-            <a:r>
-              <a:rPr lang="da-DK" sz="1800" b="0" dirty="0" smtClean="0"/>
-              <a:t> til os på de telefonnumre, der står under ”Tilkald hjælp”</a:t>
-            </a:r>
-            <a:endParaRPr lang="da-DK" sz="1800" b="0" dirty="0" smtClean="0">
-              <a:solidFill>
-                <a:srgbClr val="000066"/>
-              </a:solidFill>
-            </a:endParaRPr>
-          </a:p>
-          <a:p>
-            <a:pPr>
-              <a:spcBef>
-                <a:spcPts val="1800"/>
-              </a:spcBef>
-            </a:pPr>
-            <a:r>
-              <a:rPr lang="da-DK" sz="1800" b="0" dirty="0" smtClean="0">
-                <a:solidFill>
-                  <a:srgbClr val="000066"/>
-                </a:solidFill>
-              </a:rPr>
-              <a:t>Når </a:t>
-            </a:r>
-            <a:r>
-              <a:rPr lang="da-DK" sz="1800" b="0" dirty="0">
-                <a:solidFill>
-                  <a:srgbClr val="000066"/>
-                </a:solidFill>
-              </a:rPr>
-              <a:t>køreprøven er </a:t>
-            </a:r>
-            <a:r>
-              <a:rPr lang="da-DK" sz="1800" b="0" dirty="0" smtClean="0">
-                <a:solidFill>
-                  <a:srgbClr val="000066"/>
-                </a:solidFill>
-              </a:rPr>
-              <a:t>slut, </a:t>
-            </a:r>
-            <a:r>
-              <a:rPr lang="da-DK" sz="1800" dirty="0" smtClean="0">
-                <a:solidFill>
-                  <a:srgbClr val="000066"/>
-                </a:solidFill>
-              </a:rPr>
-              <a:t>afleveres</a:t>
-            </a:r>
-            <a:r>
-              <a:rPr lang="da-DK" sz="1800" b="0" dirty="0" smtClean="0">
-                <a:solidFill>
-                  <a:srgbClr val="000066"/>
-                </a:solidFill>
-              </a:rPr>
-              <a:t> jeres projekt</a:t>
-            </a:r>
-            <a:r>
-              <a:rPr lang="da-DK" sz="1800" b="0" dirty="0">
-                <a:solidFill>
-                  <a:srgbClr val="000066"/>
-                </a:solidFill>
-              </a:rPr>
-              <a:t> </a:t>
-            </a:r>
-            <a:r>
-              <a:rPr lang="da-DK" sz="1800" b="0" dirty="0" smtClean="0">
-                <a:solidFill>
-                  <a:srgbClr val="000066"/>
-                </a:solidFill>
-              </a:rPr>
-              <a:t>på </a:t>
-            </a:r>
-            <a:r>
-              <a:rPr lang="da-DK" sz="1800" b="0" dirty="0">
-                <a:solidFill>
-                  <a:srgbClr val="000066"/>
-                </a:solidFill>
-              </a:rPr>
-              <a:t>samme måde som </a:t>
-            </a:r>
-            <a:r>
-              <a:rPr lang="da-DK" sz="1800" b="0" dirty="0" smtClean="0">
-                <a:solidFill>
-                  <a:srgbClr val="000066"/>
-                </a:solidFill>
-              </a:rPr>
-              <a:t>ved de </a:t>
-            </a:r>
-            <a:r>
-              <a:rPr lang="da-DK" sz="1800" b="0" dirty="0">
-                <a:solidFill>
-                  <a:srgbClr val="000066"/>
-                </a:solidFill>
-              </a:rPr>
-              <a:t>almindelige afleveringer i løbet af </a:t>
-            </a:r>
-            <a:r>
-              <a:rPr lang="da-DK" sz="1800" b="0" dirty="0" smtClean="0">
-                <a:solidFill>
-                  <a:srgbClr val="000066"/>
-                </a:solidFill>
-              </a:rPr>
-              <a:t>kurset </a:t>
-            </a:r>
-            <a:endParaRPr lang="da-DK" sz="1800" b="0" dirty="0">
-              <a:solidFill>
-                <a:srgbClr val="000066"/>
-              </a:solidFill>
-            </a:endParaRPr>
-          </a:p>
-          <a:p>
-            <a:r>
-              <a:rPr lang="da-DK" sz="1800" b="0" dirty="0" smtClean="0">
-                <a:solidFill>
-                  <a:srgbClr val="000066"/>
-                </a:solidFill>
-              </a:rPr>
-              <a:t>Pak projektet </a:t>
-            </a:r>
-            <a:r>
-              <a:rPr lang="da-DK" sz="1800" b="0" dirty="0">
-                <a:solidFill>
-                  <a:srgbClr val="000066"/>
-                </a:solidFill>
-              </a:rPr>
-              <a:t>sammen i en</a:t>
-            </a:r>
-            <a:r>
-              <a:rPr lang="da-DK" sz="1800" dirty="0">
-                <a:solidFill>
-                  <a:srgbClr val="000066"/>
-                </a:solidFill>
-              </a:rPr>
-              <a:t> zip-fil</a:t>
-            </a:r>
-            <a:r>
-              <a:rPr lang="da-DK" sz="1800" b="0" dirty="0">
-                <a:solidFill>
-                  <a:srgbClr val="000066"/>
-                </a:solidFill>
-              </a:rPr>
-              <a:t> og navngiv den med dit </a:t>
-            </a:r>
-            <a:r>
-              <a:rPr lang="da-DK" sz="1800" b="0" dirty="0" smtClean="0">
-                <a:solidFill>
-                  <a:srgbClr val="000066"/>
-                </a:solidFill>
-              </a:rPr>
-              <a:t>navn </a:t>
-            </a:r>
-            <a:r>
-              <a:rPr lang="da-DK" sz="1800" b="0" dirty="0">
-                <a:solidFill>
-                  <a:srgbClr val="000066"/>
-                </a:solidFill>
-              </a:rPr>
-              <a:t>(f.eks. </a:t>
-            </a:r>
-            <a:r>
-              <a:rPr lang="da-DK" sz="1800" b="0" dirty="0" smtClean="0">
-                <a:solidFill>
-                  <a:srgbClr val="000066"/>
-                </a:solidFill>
-              </a:rPr>
-              <a:t>Peter Nikolajsen.zip</a:t>
-            </a:r>
-            <a:r>
-              <a:rPr lang="da-DK" sz="1800" b="0" dirty="0">
-                <a:solidFill>
-                  <a:srgbClr val="000066"/>
-                </a:solidFill>
-              </a:rPr>
-              <a:t>).</a:t>
-            </a:r>
-          </a:p>
-          <a:p>
-            <a:r>
-              <a:rPr lang="da-DK" sz="1800" b="0" dirty="0" smtClean="0">
-                <a:solidFill>
-                  <a:srgbClr val="000066"/>
-                </a:solidFill>
-              </a:rPr>
-              <a:t>Aflever </a:t>
-            </a:r>
-            <a:r>
-              <a:rPr lang="da-DK" sz="1800" b="0" dirty="0">
-                <a:solidFill>
-                  <a:srgbClr val="000066"/>
-                </a:solidFill>
-              </a:rPr>
-              <a:t>zip-filen på </a:t>
-            </a:r>
-            <a:r>
-              <a:rPr lang="da-DK" sz="1800" b="0" dirty="0" smtClean="0">
-                <a:solidFill>
-                  <a:srgbClr val="000066"/>
-                </a:solidFill>
-              </a:rPr>
-              <a:t>Blackboard siden </a:t>
-            </a:r>
-            <a:r>
-              <a:rPr lang="da-DK" sz="1800" dirty="0">
-                <a:solidFill>
-                  <a:srgbClr val="000066"/>
-                </a:solidFill>
-              </a:rPr>
-              <a:t>”Afleveringer”</a:t>
-            </a:r>
-            <a:r>
-              <a:rPr lang="da-DK" sz="1800" b="0" dirty="0">
-                <a:solidFill>
-                  <a:srgbClr val="000066"/>
-                </a:solidFill>
-              </a:rPr>
-              <a:t> (under ”Køreprøve</a:t>
-            </a:r>
-            <a:r>
-              <a:rPr lang="da-DK" sz="1800" b="0" dirty="0" smtClean="0">
-                <a:solidFill>
-                  <a:srgbClr val="000066"/>
-                </a:solidFill>
-              </a:rPr>
-              <a:t>”).</a:t>
-            </a:r>
-          </a:p>
-          <a:p>
-            <a:r>
-              <a:rPr lang="da-DK" sz="1800" b="0" dirty="0" smtClean="0">
-                <a:solidFill>
-                  <a:srgbClr val="000066"/>
-                </a:solidFill>
-              </a:rPr>
-              <a:t>Projektet skal være afleveret </a:t>
-            </a:r>
-            <a:r>
-              <a:rPr lang="da-DK" sz="1800" dirty="0" smtClean="0">
-                <a:solidFill>
-                  <a:srgbClr val="000066"/>
-                </a:solidFill>
-              </a:rPr>
-              <a:t>senest 35 minutter</a:t>
-            </a:r>
-            <a:r>
-              <a:rPr lang="da-DK" sz="1800" b="0" dirty="0" smtClean="0">
-                <a:solidFill>
-                  <a:srgbClr val="000066"/>
-                </a:solidFill>
-              </a:rPr>
-              <a:t> efter prøvens start</a:t>
-            </a:r>
-          </a:p>
-          <a:p>
-            <a:r>
-              <a:rPr lang="da-DK" sz="1800" b="0" dirty="0" smtClean="0">
-                <a:solidFill>
-                  <a:srgbClr val="000066"/>
-                </a:solidFill>
-              </a:rPr>
-              <a:t>Ved senere aflevering kan der ske </a:t>
-            </a:r>
-            <a:r>
-              <a:rPr lang="da-DK" sz="1800" dirty="0" smtClean="0">
-                <a:solidFill>
-                  <a:srgbClr val="000066"/>
-                </a:solidFill>
-              </a:rPr>
-              <a:t>fradrag af point</a:t>
-            </a:r>
-          </a:p>
-          <a:p>
-            <a:r>
-              <a:rPr lang="da-DK" sz="1800" b="0" spc="-50" dirty="0" smtClean="0">
-                <a:solidFill>
-                  <a:srgbClr val="000066"/>
-                </a:solidFill>
-              </a:rPr>
-              <a:t>Opstår der problemer, kan man i stedet sende zip-filen til</a:t>
-            </a:r>
-            <a:r>
-              <a:rPr lang="da-DK" sz="1800" spc="-50" dirty="0" smtClean="0">
-                <a:solidFill>
-                  <a:srgbClr val="000066"/>
-                </a:solidFill>
-              </a:rPr>
-              <a:t> kjensen@cs.au.dk</a:t>
-            </a:r>
-            <a:endParaRPr lang="da-DK" sz="1800" b="0" spc="-50" dirty="0">
-              <a:solidFill>
-                <a:srgbClr val="000066"/>
-              </a:solidFill>
-            </a:endParaRPr>
-          </a:p>
-          <a:p>
             <a:pPr marL="357188" lvl="1" indent="-357188">
               <a:spcBef>
-                <a:spcPts val="400"/>
+                <a:spcPts val="1200"/>
               </a:spcBef>
               <a:buFont typeface="Arial" panose="020B0604020202020204" pitchFamily="34" charset="0"/>
               <a:buChar char="•"/>
             </a:pPr>
-            <a:endParaRPr lang="da-DK" sz="1600" dirty="0">
+            <a:r>
+              <a:rPr lang="da-DK" sz="1800" dirty="0">
+                <a:solidFill>
+                  <a:srgbClr val="A50021"/>
+                </a:solidFill>
+              </a:rPr>
+              <a:t>Til stede ved prøven vil være </a:t>
+            </a:r>
+            <a:r>
+              <a:rPr lang="da-DK" sz="1800" b="1" dirty="0">
+                <a:solidFill>
+                  <a:srgbClr val="A50021"/>
+                </a:solidFill>
+              </a:rPr>
+              <a:t>forelæseren</a:t>
+            </a:r>
+            <a:r>
+              <a:rPr lang="da-DK" sz="1800" dirty="0">
+                <a:solidFill>
+                  <a:srgbClr val="A50021"/>
+                </a:solidFill>
+              </a:rPr>
+              <a:t> og et </a:t>
+            </a:r>
+            <a:r>
+              <a:rPr lang="da-DK" sz="1800" b="1" dirty="0">
+                <a:solidFill>
+                  <a:srgbClr val="A50021"/>
+                </a:solidFill>
+              </a:rPr>
+              <a:t>antal instruktorer</a:t>
+            </a:r>
+            <a:endParaRPr lang="da-DK" sz="1800" dirty="0">
               <a:solidFill>
                 <a:srgbClr val="A50021"/>
               </a:solidFill>
             </a:endParaRPr>
+          </a:p>
+          <a:p>
+            <a:pPr marL="357188" lvl="1" indent="-357188">
+              <a:spcBef>
+                <a:spcPts val="600"/>
+              </a:spcBef>
+              <a:buFont typeface="Arial" panose="020B0604020202020204" pitchFamily="34" charset="0"/>
+              <a:buChar char="•"/>
+            </a:pPr>
+            <a:r>
+              <a:rPr lang="da-DK" sz="1800" dirty="0">
+                <a:solidFill>
+                  <a:srgbClr val="A50021"/>
+                </a:solidFill>
+              </a:rPr>
+              <a:t>Det er </a:t>
+            </a:r>
+            <a:r>
+              <a:rPr lang="da-DK" sz="1800" b="1" dirty="0">
+                <a:solidFill>
+                  <a:srgbClr val="A50021"/>
+                </a:solidFill>
+              </a:rPr>
+              <a:t>tilladt at kommunikere med disse personer</a:t>
+            </a:r>
+            <a:r>
+              <a:rPr lang="da-DK" sz="1800" dirty="0">
+                <a:solidFill>
+                  <a:srgbClr val="A50021"/>
+                </a:solidFill>
+              </a:rPr>
+              <a:t> (opklarende spørgsmål, hjælp til at komme videre, etc.)</a:t>
+            </a:r>
+          </a:p>
+          <a:p>
+            <a:pPr marL="357188" lvl="1" indent="-357188">
+              <a:spcBef>
+                <a:spcPts val="600"/>
+              </a:spcBef>
+              <a:buFont typeface="Arial" panose="020B0604020202020204" pitchFamily="34" charset="0"/>
+              <a:buChar char="•"/>
+            </a:pPr>
+            <a:r>
+              <a:rPr lang="da-DK" sz="1800" dirty="0">
+                <a:solidFill>
+                  <a:srgbClr val="A50021"/>
+                </a:solidFill>
+              </a:rPr>
+              <a:t>Det er </a:t>
+            </a:r>
+            <a:r>
+              <a:rPr lang="da-DK" sz="1800" b="1" u="sng" dirty="0">
+                <a:solidFill>
+                  <a:srgbClr val="A50021"/>
+                </a:solidFill>
+              </a:rPr>
+              <a:t>ikke</a:t>
+            </a:r>
+            <a:r>
+              <a:rPr lang="da-DK" sz="1800" dirty="0">
+                <a:solidFill>
+                  <a:srgbClr val="A50021"/>
+                </a:solidFill>
+              </a:rPr>
+              <a:t> tilladt at kommunikere med de </a:t>
+            </a:r>
+            <a:r>
+              <a:rPr lang="da-DK" sz="1800" b="1" dirty="0">
+                <a:solidFill>
+                  <a:srgbClr val="A50021"/>
+                </a:solidFill>
+              </a:rPr>
+              <a:t>øvrige eksaminander</a:t>
+            </a:r>
+            <a:endParaRPr lang="da-DK" sz="1800" dirty="0">
+              <a:solidFill>
+                <a:srgbClr val="A50021"/>
+              </a:solidFill>
+            </a:endParaRPr>
+          </a:p>
+          <a:p>
+            <a:pPr marL="357188" lvl="1" indent="-357188">
+              <a:spcBef>
+                <a:spcPts val="1800"/>
+              </a:spcBef>
+              <a:buFont typeface="Arial" panose="020B0604020202020204" pitchFamily="34" charset="0"/>
+              <a:buChar char="•"/>
+            </a:pPr>
+            <a:r>
+              <a:rPr lang="da-DK" sz="1800" dirty="0"/>
+              <a:t>Ved prøvens afslutning afleveres din besvarelse på samme måde som ved de obligatoriske afleveringer i løbet af kurset, dvs. via </a:t>
+            </a:r>
+            <a:r>
+              <a:rPr lang="da-DK" sz="1800" dirty="0" smtClean="0"/>
+              <a:t>Brightspace</a:t>
+            </a:r>
           </a:p>
         </p:txBody>
       </p:sp>
@@ -5707,10 +5677,474 @@
           </a:p>
         </p:txBody>
       </p:sp>
+      <p:sp>
+        <p:nvSpPr>
+          <p:cNvPr id="5" name="Rectangle 3"/>
+          <p:cNvSpPr txBox="1">
+            <a:spLocks noChangeArrowheads="1"/>
+          </p:cNvSpPr>
+          <p:nvPr/>
+        </p:nvSpPr>
+        <p:spPr bwMode="auto">
+          <a:xfrm>
+            <a:off x="396181" y="4057836"/>
+            <a:ext cx="8424167" cy="1872431"/>
+          </a:xfrm>
+          <a:prstGeom prst="rect">
+            <a:avLst/>
+          </a:prstGeom>
+          <a:noFill/>
+          <a:ln>
+            <a:noFill/>
+          </a:ln>
+          <a:extLst>
+            <a:ext uri="{909E8E84-426E-40DD-AFC4-6F175D3DCCD1}">
+              <a14:hiddenFill xmlns:a14="http://schemas.microsoft.com/office/drawing/2010/main">
+                <a:solidFill>
+                  <a:srgbClr val="FFFFFF"/>
+                </a:solidFill>
+              </a14:hiddenFill>
+            </a:ext>
+            <a:ext uri="{91240B29-F687-4F45-9708-019B960494DF}">
+              <a14:hiddenLine xmlns:a14="http://schemas.microsoft.com/office/drawing/2010/main" w="9525">
+                <a:solidFill>
+                  <a:srgbClr val="000000"/>
+                </a:solidFill>
+                <a:miter lim="800000"/>
+                <a:headEnd/>
+                <a:tailEnd/>
+              </a14:hiddenLine>
+            </a:ext>
+          </a:extLst>
+        </p:spPr>
+        <p:txBody>
+          <a:bodyPr vert="horz" wrap="square" lIns="91440" tIns="45720" rIns="91440" bIns="45720" numCol="1" anchor="t" anchorCtr="0" compatLnSpc="1">
+            <a:prstTxWarp prst="textNoShape">
+              <a:avLst/>
+            </a:prstTxWarp>
+          </a:bodyPr>
+          <a:lstStyle>
+            <a:lvl1pPr marL="342900" indent="-342900" algn="l" rtl="0" eaLnBrk="0" fontAlgn="base" hangingPunct="0">
+              <a:spcBef>
+                <a:spcPct val="20000"/>
+              </a:spcBef>
+              <a:spcAft>
+                <a:spcPct val="0"/>
+              </a:spcAft>
+              <a:buChar char="•"/>
+              <a:defRPr sz="2400" b="1">
+                <a:solidFill>
+                  <a:srgbClr val="A50021"/>
+                </a:solidFill>
+                <a:latin typeface="+mn-lt"/>
+                <a:ea typeface="ＭＳ Ｐゴシック" charset="-128"/>
+                <a:cs typeface="ＭＳ Ｐゴシック" charset="-128"/>
+              </a:defRPr>
+            </a:lvl1pPr>
+            <a:lvl2pPr marL="742950" indent="-285750" algn="l" rtl="0" eaLnBrk="0" fontAlgn="base" hangingPunct="0">
+              <a:spcBef>
+                <a:spcPct val="20000"/>
+              </a:spcBef>
+              <a:spcAft>
+                <a:spcPct val="0"/>
+              </a:spcAft>
+              <a:buChar char="–"/>
+              <a:defRPr sz="2000">
+                <a:solidFill>
+                  <a:srgbClr val="000066"/>
+                </a:solidFill>
+                <a:latin typeface="+mn-lt"/>
+                <a:ea typeface="ＭＳ Ｐゴシック" charset="-128"/>
+              </a:defRPr>
+            </a:lvl2pPr>
+            <a:lvl3pPr marL="1143000" indent="-228600" algn="l" rtl="0" eaLnBrk="0" fontAlgn="base" hangingPunct="0">
+              <a:spcBef>
+                <a:spcPct val="20000"/>
+              </a:spcBef>
+              <a:spcAft>
+                <a:spcPct val="0"/>
+              </a:spcAft>
+              <a:buChar char="•"/>
+              <a:defRPr sz="1800">
+                <a:solidFill>
+                  <a:srgbClr val="000066"/>
+                </a:solidFill>
+                <a:latin typeface="+mn-lt"/>
+                <a:ea typeface="ＭＳ Ｐゴシック" charset="-128"/>
+              </a:defRPr>
+            </a:lvl3pPr>
+            <a:lvl4pPr marL="1600200" indent="-228600" algn="l" rtl="0" eaLnBrk="0" fontAlgn="base" hangingPunct="0">
+              <a:spcBef>
+                <a:spcPct val="20000"/>
+              </a:spcBef>
+              <a:spcAft>
+                <a:spcPct val="0"/>
+              </a:spcAft>
+              <a:buChar char="–"/>
+              <a:defRPr sz="1600">
+                <a:solidFill>
+                  <a:schemeClr val="tx1"/>
+                </a:solidFill>
+                <a:latin typeface="Times New Roman" charset="0"/>
+                <a:ea typeface="ＭＳ Ｐゴシック" charset="-128"/>
+              </a:defRPr>
+            </a:lvl4pPr>
+            <a:lvl5pPr marL="2057400" indent="-228600" algn="l" rtl="0" eaLnBrk="0" fontAlgn="base" hangingPunct="0">
+              <a:spcBef>
+                <a:spcPct val="20000"/>
+              </a:spcBef>
+              <a:spcAft>
+                <a:spcPct val="0"/>
+              </a:spcAft>
+              <a:buChar char="»"/>
+              <a:defRPr sz="1200">
+                <a:solidFill>
+                  <a:schemeClr val="tx1"/>
+                </a:solidFill>
+                <a:latin typeface="Times New Roman" charset="0"/>
+                <a:ea typeface="ＭＳ Ｐゴシック" charset="-128"/>
+              </a:defRPr>
+            </a:lvl5pPr>
+            <a:lvl6pPr marL="2514600" indent="-228600" algn="l" rtl="0" fontAlgn="base">
+              <a:spcBef>
+                <a:spcPct val="20000"/>
+              </a:spcBef>
+              <a:spcAft>
+                <a:spcPct val="0"/>
+              </a:spcAft>
+              <a:buChar char="»"/>
+              <a:defRPr sz="1200">
+                <a:solidFill>
+                  <a:schemeClr val="tx1"/>
+                </a:solidFill>
+                <a:latin typeface="Times New Roman" charset="0"/>
+                <a:ea typeface="ＭＳ Ｐゴシック" charset="-128"/>
+              </a:defRPr>
+            </a:lvl6pPr>
+            <a:lvl7pPr marL="2971800" indent="-228600" algn="l" rtl="0" fontAlgn="base">
+              <a:spcBef>
+                <a:spcPct val="20000"/>
+              </a:spcBef>
+              <a:spcAft>
+                <a:spcPct val="0"/>
+              </a:spcAft>
+              <a:buChar char="»"/>
+              <a:defRPr sz="1200">
+                <a:solidFill>
+                  <a:schemeClr val="tx1"/>
+                </a:solidFill>
+                <a:latin typeface="Times New Roman" charset="0"/>
+                <a:ea typeface="ＭＳ Ｐゴシック" charset="-128"/>
+              </a:defRPr>
+            </a:lvl7pPr>
+            <a:lvl8pPr marL="3429000" indent="-228600" algn="l" rtl="0" fontAlgn="base">
+              <a:spcBef>
+                <a:spcPct val="20000"/>
+              </a:spcBef>
+              <a:spcAft>
+                <a:spcPct val="0"/>
+              </a:spcAft>
+              <a:buChar char="»"/>
+              <a:defRPr sz="1200">
+                <a:solidFill>
+                  <a:schemeClr val="tx1"/>
+                </a:solidFill>
+                <a:latin typeface="Times New Roman" charset="0"/>
+                <a:ea typeface="ＭＳ Ｐゴシック" charset="-128"/>
+              </a:defRPr>
+            </a:lvl8pPr>
+            <a:lvl9pPr marL="3886200" indent="-228600" algn="l" rtl="0" fontAlgn="base">
+              <a:spcBef>
+                <a:spcPct val="20000"/>
+              </a:spcBef>
+              <a:spcAft>
+                <a:spcPct val="0"/>
+              </a:spcAft>
+              <a:buChar char="»"/>
+              <a:defRPr sz="1200">
+                <a:solidFill>
+                  <a:schemeClr val="tx1"/>
+                </a:solidFill>
+                <a:latin typeface="Times New Roman" charset="0"/>
+                <a:ea typeface="ＭＳ Ｐゴシック" charset="-128"/>
+              </a:defRPr>
+            </a:lvl9pPr>
+          </a:lstStyle>
+          <a:p>
+            <a:pPr marL="357188" lvl="1" indent="-357188">
+              <a:spcBef>
+                <a:spcPts val="1800"/>
+              </a:spcBef>
+              <a:buFont typeface="Arial" panose="020B0604020202020204" pitchFamily="34" charset="0"/>
+              <a:buChar char="•"/>
+            </a:pPr>
+            <a:r>
+              <a:rPr lang="da-DK" sz="1800" kern="0" dirty="0" smtClean="0">
+                <a:solidFill>
+                  <a:srgbClr val="A50021"/>
+                </a:solidFill>
+              </a:rPr>
+              <a:t>I tilfælde af ordblindhed, autisme, ADHD, og lignende har man mulighed for at få </a:t>
+            </a:r>
+            <a:r>
+              <a:rPr lang="da-DK" sz="1800" b="1" kern="0" dirty="0" smtClean="0">
+                <a:solidFill>
+                  <a:srgbClr val="A50021"/>
+                </a:solidFill>
+              </a:rPr>
+              <a:t>forlænget eksamenstid</a:t>
+            </a:r>
+          </a:p>
+          <a:p>
+            <a:pPr marL="357188" lvl="1" indent="-357188">
+              <a:spcBef>
+                <a:spcPts val="600"/>
+              </a:spcBef>
+              <a:buFont typeface="Arial" panose="020B0604020202020204" pitchFamily="34" charset="0"/>
+              <a:buChar char="•"/>
+            </a:pPr>
+            <a:r>
+              <a:rPr lang="da-DK" sz="1800" kern="0" dirty="0" smtClean="0">
+                <a:solidFill>
+                  <a:srgbClr val="A50021"/>
+                </a:solidFill>
+              </a:rPr>
+              <a:t>Det gælder også ved køreprøven, hvor man så typisk får 35 minutter i stedet for 30 min</a:t>
+            </a:r>
+          </a:p>
+          <a:p>
+            <a:pPr marL="357188" lvl="1" indent="-357188">
+              <a:spcBef>
+                <a:spcPts val="600"/>
+              </a:spcBef>
+              <a:buFont typeface="Arial" panose="020B0604020202020204" pitchFamily="34" charset="0"/>
+              <a:buChar char="•"/>
+            </a:pPr>
+            <a:r>
+              <a:rPr lang="da-DK" sz="1800" kern="0" dirty="0" smtClean="0">
+                <a:solidFill>
+                  <a:srgbClr val="A50021"/>
+                </a:solidFill>
+              </a:rPr>
+              <a:t>Ansøgning om forlænget tid (inklusiv fornøden dokumentation) sendes til</a:t>
+            </a:r>
+            <a:br>
+              <a:rPr lang="da-DK" sz="1800" kern="0" dirty="0" smtClean="0">
+                <a:solidFill>
+                  <a:srgbClr val="A50021"/>
+                </a:solidFill>
+              </a:rPr>
+            </a:br>
+            <a:r>
+              <a:rPr lang="da-DK" sz="1800" kern="0" dirty="0" smtClean="0">
+                <a:solidFill>
+                  <a:srgbClr val="A50021"/>
+                </a:solidFill>
+              </a:rPr>
+              <a:t>Kurt Jensen med mail senest 1 uge inden køreprøven</a:t>
+            </a:r>
+          </a:p>
+        </p:txBody>
+      </p:sp>
+      <p:sp>
+        <p:nvSpPr>
+          <p:cNvPr id="6" name="Rectangle 2"/>
+          <p:cNvSpPr txBox="1">
+            <a:spLocks noChangeArrowheads="1"/>
+          </p:cNvSpPr>
+          <p:nvPr/>
+        </p:nvSpPr>
+        <p:spPr bwMode="auto">
+          <a:xfrm>
+            <a:off x="576584" y="3356992"/>
+            <a:ext cx="3419352" cy="609600"/>
+          </a:xfrm>
+          <a:prstGeom prst="rect">
+            <a:avLst/>
+          </a:prstGeom>
+          <a:noFill/>
+          <a:ln>
+            <a:noFill/>
+          </a:ln>
+          <a:extLst>
+            <a:ext uri="{909E8E84-426E-40DD-AFC4-6F175D3DCCD1}">
+              <a14:hiddenFill xmlns:a14="http://schemas.microsoft.com/office/drawing/2010/main">
+                <a:solidFill>
+                  <a:srgbClr val="FFFFFF"/>
+                </a:solidFill>
+              </a14:hiddenFill>
+            </a:ext>
+            <a:ext uri="{91240B29-F687-4F45-9708-019B960494DF}">
+              <a14:hiddenLine xmlns:a14="http://schemas.microsoft.com/office/drawing/2010/main" w="9525">
+                <a:solidFill>
+                  <a:srgbClr val="000000"/>
+                </a:solidFill>
+                <a:miter lim="800000"/>
+                <a:headEnd/>
+                <a:tailEnd/>
+              </a14:hiddenLine>
+            </a:ext>
+          </a:extLst>
+        </p:spPr>
+        <p:txBody>
+          <a:bodyPr vert="horz" wrap="square" lIns="91440" tIns="45720" rIns="91440" bIns="45720" numCol="1" anchor="ctr" anchorCtr="0" compatLnSpc="1">
+            <a:prstTxWarp prst="textNoShape">
+              <a:avLst/>
+            </a:prstTxWarp>
+          </a:bodyPr>
+          <a:lstStyle>
+            <a:lvl1pPr algn="l" rtl="0" eaLnBrk="0" fontAlgn="base" hangingPunct="0">
+              <a:spcBef>
+                <a:spcPct val="0"/>
+              </a:spcBef>
+              <a:spcAft>
+                <a:spcPct val="0"/>
+              </a:spcAft>
+              <a:defRPr sz="3600" b="1">
+                <a:solidFill>
+                  <a:srgbClr val="000066"/>
+                </a:solidFill>
+                <a:latin typeface="+mj-lt"/>
+                <a:ea typeface="ＭＳ Ｐゴシック" charset="-128"/>
+                <a:cs typeface="ＭＳ Ｐゴシック" charset="-128"/>
+              </a:defRPr>
+            </a:lvl1pPr>
+            <a:lvl2pPr algn="l" rtl="0" eaLnBrk="0" fontAlgn="base" hangingPunct="0">
+              <a:spcBef>
+                <a:spcPct val="0"/>
+              </a:spcBef>
+              <a:spcAft>
+                <a:spcPct val="0"/>
+              </a:spcAft>
+              <a:defRPr sz="3600" b="1">
+                <a:solidFill>
+                  <a:srgbClr val="A50021"/>
+                </a:solidFill>
+                <a:latin typeface="Arial" charset="0"/>
+                <a:ea typeface="ＭＳ Ｐゴシック" charset="-128"/>
+                <a:cs typeface="ＭＳ Ｐゴシック" charset="-128"/>
+              </a:defRPr>
+            </a:lvl2pPr>
+            <a:lvl3pPr algn="l" rtl="0" eaLnBrk="0" fontAlgn="base" hangingPunct="0">
+              <a:spcBef>
+                <a:spcPct val="0"/>
+              </a:spcBef>
+              <a:spcAft>
+                <a:spcPct val="0"/>
+              </a:spcAft>
+              <a:defRPr sz="3600" b="1">
+                <a:solidFill>
+                  <a:srgbClr val="A50021"/>
+                </a:solidFill>
+                <a:latin typeface="Arial" charset="0"/>
+                <a:ea typeface="ＭＳ Ｐゴシック" charset="-128"/>
+                <a:cs typeface="ＭＳ Ｐゴシック" charset="-128"/>
+              </a:defRPr>
+            </a:lvl3pPr>
+            <a:lvl4pPr algn="l" rtl="0" eaLnBrk="0" fontAlgn="base" hangingPunct="0">
+              <a:spcBef>
+                <a:spcPct val="0"/>
+              </a:spcBef>
+              <a:spcAft>
+                <a:spcPct val="0"/>
+              </a:spcAft>
+              <a:defRPr sz="3600" b="1">
+                <a:solidFill>
+                  <a:srgbClr val="A50021"/>
+                </a:solidFill>
+                <a:latin typeface="Arial" charset="0"/>
+                <a:ea typeface="ＭＳ Ｐゴシック" charset="-128"/>
+                <a:cs typeface="ＭＳ Ｐゴシック" charset="-128"/>
+              </a:defRPr>
+            </a:lvl4pPr>
+            <a:lvl5pPr algn="l" rtl="0" eaLnBrk="0" fontAlgn="base" hangingPunct="0">
+              <a:spcBef>
+                <a:spcPct val="0"/>
+              </a:spcBef>
+              <a:spcAft>
+                <a:spcPct val="0"/>
+              </a:spcAft>
+              <a:defRPr sz="3600" b="1">
+                <a:solidFill>
+                  <a:srgbClr val="A50021"/>
+                </a:solidFill>
+                <a:latin typeface="Arial" charset="0"/>
+                <a:ea typeface="ＭＳ Ｐゴシック" charset="-128"/>
+                <a:cs typeface="ＭＳ Ｐゴシック" charset="-128"/>
+              </a:defRPr>
+            </a:lvl5pPr>
+            <a:lvl6pPr marL="457200" algn="l" rtl="0" fontAlgn="base">
+              <a:spcBef>
+                <a:spcPct val="0"/>
+              </a:spcBef>
+              <a:spcAft>
+                <a:spcPct val="0"/>
+              </a:spcAft>
+              <a:defRPr sz="3600" b="1">
+                <a:solidFill>
+                  <a:srgbClr val="A50021"/>
+                </a:solidFill>
+                <a:latin typeface="Arial" charset="0"/>
+              </a:defRPr>
+            </a:lvl6pPr>
+            <a:lvl7pPr marL="914400" algn="l" rtl="0" fontAlgn="base">
+              <a:spcBef>
+                <a:spcPct val="0"/>
+              </a:spcBef>
+              <a:spcAft>
+                <a:spcPct val="0"/>
+              </a:spcAft>
+              <a:defRPr sz="3600" b="1">
+                <a:solidFill>
+                  <a:srgbClr val="A50021"/>
+                </a:solidFill>
+                <a:latin typeface="Arial" charset="0"/>
+              </a:defRPr>
+            </a:lvl7pPr>
+            <a:lvl8pPr marL="1371600" algn="l" rtl="0" fontAlgn="base">
+              <a:spcBef>
+                <a:spcPct val="0"/>
+              </a:spcBef>
+              <a:spcAft>
+                <a:spcPct val="0"/>
+              </a:spcAft>
+              <a:defRPr sz="3600" b="1">
+                <a:solidFill>
+                  <a:srgbClr val="A50021"/>
+                </a:solidFill>
+                <a:latin typeface="Arial" charset="0"/>
+              </a:defRPr>
+            </a:lvl8pPr>
+            <a:lvl9pPr marL="1828800" algn="l" rtl="0" fontAlgn="base">
+              <a:spcBef>
+                <a:spcPct val="0"/>
+              </a:spcBef>
+              <a:spcAft>
+                <a:spcPct val="0"/>
+              </a:spcAft>
+              <a:defRPr sz="3600" b="1">
+                <a:solidFill>
+                  <a:srgbClr val="A50021"/>
+                </a:solidFill>
+                <a:latin typeface="Arial" charset="0"/>
+              </a:defRPr>
+            </a:lvl9pPr>
+          </a:lstStyle>
+          <a:p>
+            <a:pPr eaLnBrk="1" hangingPunct="1"/>
+            <a:r>
+              <a:rPr lang="da-DK" altLang="da-DK" sz="3200" kern="0" dirty="0" smtClean="0">
+                <a:ea typeface="ＭＳ Ｐゴシック" pitchFamily="34" charset="-128"/>
+              </a:rPr>
+              <a:t>Forlænget tid</a:t>
+            </a:r>
+          </a:p>
+        </p:txBody>
+      </p:sp>
     </p:spTree>
     <p:extLst>
       <p:ext uri="{BB962C8B-B14F-4D97-AF65-F5344CB8AC3E}">
-        <p14:creationId xmlns:p14="http://schemas.microsoft.com/office/powerpoint/2010/main" val="986823220"/>
+        <p14:creationId xmlns:p14="http://schemas.microsoft.com/office/powerpoint/2010/main" val="2437837011"/>
       </p:ext>
     </p:extLst>
   </p:cSld>
@@ -5747,6 +6181,330 @@
       </p:grpSpPr>
       <p:sp>
         <p:nvSpPr>
+          <p:cNvPr id="4098" name="Rectangle 2"/>
+          <p:cNvSpPr>
+            <a:spLocks noGrp="1" noChangeArrowheads="1"/>
+          </p:cNvSpPr>
+          <p:nvPr>
+            <p:ph type="title"/>
+          </p:nvPr>
+        </p:nvSpPr>
+        <p:spPr/>
+        <p:txBody>
+          <a:bodyPr/>
+          <a:lstStyle/>
+          <a:p>
+            <a:pPr eaLnBrk="1" hangingPunct="1"/>
+            <a:r>
+              <a:rPr lang="da-DK" altLang="da-DK" sz="3200" noProof="0" dirty="0" smtClean="0">
+                <a:ea typeface="ＭＳ Ｐゴシック" pitchFamily="34" charset="-128"/>
+              </a:rPr>
+              <a:t>Resultat</a:t>
+            </a:r>
+          </a:p>
+        </p:txBody>
+      </p:sp>
+      <p:sp>
+        <p:nvSpPr>
+          <p:cNvPr id="4099" name="Rectangle 3"/>
+          <p:cNvSpPr>
+            <a:spLocks noGrp="1" noChangeArrowheads="1"/>
+          </p:cNvSpPr>
+          <p:nvPr>
+            <p:ph type="body" idx="1"/>
+          </p:nvPr>
+        </p:nvSpPr>
+        <p:spPr>
+          <a:xfrm>
+            <a:off x="468314" y="1052736"/>
+            <a:ext cx="8489420" cy="5256584"/>
+          </a:xfrm>
+        </p:spPr>
+        <p:txBody>
+          <a:bodyPr/>
+          <a:lstStyle/>
+          <a:p>
+            <a:pPr marL="357188" lvl="1" indent="-357188">
+              <a:spcBef>
+                <a:spcPts val="1800"/>
+              </a:spcBef>
+              <a:buFont typeface="Arial" panose="020B0604020202020204" pitchFamily="34" charset="0"/>
+              <a:buChar char="•"/>
+            </a:pPr>
+            <a:r>
+              <a:rPr lang="da-DK" sz="1800" dirty="0" smtClean="0">
+                <a:solidFill>
+                  <a:srgbClr val="A50021"/>
+                </a:solidFill>
+              </a:rPr>
+              <a:t>Man får </a:t>
+            </a:r>
+            <a:r>
+              <a:rPr lang="da-DK" sz="1800" b="1" dirty="0" smtClean="0">
+                <a:solidFill>
+                  <a:srgbClr val="A50021"/>
+                </a:solidFill>
+              </a:rPr>
+              <a:t>2 poin</a:t>
+            </a:r>
+            <a:r>
+              <a:rPr lang="da-DK" sz="1800" dirty="0" smtClean="0">
+                <a:solidFill>
+                  <a:srgbClr val="A50021"/>
+                </a:solidFill>
+              </a:rPr>
+              <a:t>t for </a:t>
+            </a:r>
+            <a:r>
+              <a:rPr lang="da-DK" sz="1800" b="1" dirty="0" smtClean="0">
+                <a:solidFill>
+                  <a:srgbClr val="A50021"/>
+                </a:solidFill>
+              </a:rPr>
+              <a:t>hvert tjekpunkt</a:t>
+            </a:r>
+            <a:r>
+              <a:rPr lang="da-DK" sz="1800" dirty="0" smtClean="0">
+                <a:solidFill>
+                  <a:srgbClr val="A50021"/>
+                </a:solidFill>
+              </a:rPr>
+              <a:t>, dvs. at fuld besvarelse giver 8 point</a:t>
+            </a:r>
+          </a:p>
+          <a:p>
+            <a:pPr marL="357188" lvl="1" indent="-357188">
+              <a:spcBef>
+                <a:spcPts val="400"/>
+              </a:spcBef>
+              <a:buFont typeface="Arial" panose="020B0604020202020204" pitchFamily="34" charset="0"/>
+              <a:buChar char="•"/>
+            </a:pPr>
+            <a:r>
+              <a:rPr lang="da-DK" sz="1800" dirty="0" smtClean="0">
+                <a:solidFill>
+                  <a:srgbClr val="A50021"/>
+                </a:solidFill>
+              </a:rPr>
+              <a:t>Man kan </a:t>
+            </a:r>
+            <a:r>
+              <a:rPr lang="da-DK" sz="1800" b="1" dirty="0" smtClean="0">
+                <a:solidFill>
+                  <a:srgbClr val="008000"/>
+                </a:solidFill>
+              </a:rPr>
+              <a:t>ikke</a:t>
+            </a:r>
+            <a:r>
+              <a:rPr lang="da-DK" sz="1800" dirty="0" smtClean="0">
+                <a:solidFill>
+                  <a:srgbClr val="A50021"/>
+                </a:solidFill>
+              </a:rPr>
+              <a:t> dumpe køreprøven, men da det er en obligatorisk opgave </a:t>
+            </a:r>
+            <a:r>
+              <a:rPr lang="da-DK" sz="1800" b="1" dirty="0" smtClean="0">
+                <a:solidFill>
+                  <a:srgbClr val="A50021"/>
+                </a:solidFill>
+              </a:rPr>
+              <a:t>skal</a:t>
+            </a:r>
+            <a:r>
+              <a:rPr lang="da-DK" sz="1800" dirty="0" smtClean="0">
+                <a:solidFill>
+                  <a:srgbClr val="A50021"/>
+                </a:solidFill>
+              </a:rPr>
+              <a:t> man møde op og deltage</a:t>
+            </a:r>
+          </a:p>
+          <a:p>
+            <a:pPr marL="357188" lvl="1" indent="-357188">
+              <a:spcBef>
+                <a:spcPts val="400"/>
+              </a:spcBef>
+              <a:buFont typeface="Arial" panose="020B0604020202020204" pitchFamily="34" charset="0"/>
+              <a:buChar char="•"/>
+            </a:pPr>
+            <a:r>
+              <a:rPr lang="da-DK" sz="1800" spc="-50" dirty="0" smtClean="0">
+                <a:solidFill>
+                  <a:srgbClr val="A50021"/>
+                </a:solidFill>
+              </a:rPr>
+              <a:t>Pointene for </a:t>
+            </a:r>
+            <a:r>
+              <a:rPr lang="da-DK" sz="1800" b="1" spc="-50" dirty="0" smtClean="0">
+                <a:solidFill>
+                  <a:srgbClr val="A50021"/>
+                </a:solidFill>
+              </a:rPr>
+              <a:t>køreprøven</a:t>
+            </a:r>
+            <a:r>
+              <a:rPr lang="da-DK" sz="1800" spc="-50" dirty="0" smtClean="0">
+                <a:solidFill>
+                  <a:srgbClr val="A50021"/>
+                </a:solidFill>
+              </a:rPr>
+              <a:t> og de </a:t>
+            </a:r>
+            <a:r>
+              <a:rPr lang="da-DK" sz="1800" b="1" spc="-50" dirty="0" smtClean="0">
+                <a:solidFill>
+                  <a:srgbClr val="A50021"/>
+                </a:solidFill>
+              </a:rPr>
+              <a:t>fire </a:t>
+            </a:r>
+            <a:r>
+              <a:rPr lang="da-DK" sz="1800" b="1" spc="-50" dirty="0" smtClean="0">
+                <a:solidFill>
+                  <a:srgbClr val="A50021"/>
+                </a:solidFill>
+              </a:rPr>
+              <a:t>computerspilsafleveringer</a:t>
+            </a:r>
+            <a:r>
+              <a:rPr lang="da-DK" sz="1800" spc="-50" dirty="0" smtClean="0">
+                <a:solidFill>
+                  <a:srgbClr val="A50021"/>
+                </a:solidFill>
+              </a:rPr>
+              <a:t> </a:t>
+            </a:r>
+            <a:r>
+              <a:rPr lang="da-DK" sz="1800" spc="-50" dirty="0" smtClean="0">
+                <a:solidFill>
+                  <a:srgbClr val="A50021"/>
+                </a:solidFill>
+              </a:rPr>
+              <a:t>i kursets anden halvdel tæller med ved fastlæggelsen af den endelige karakter for kurset </a:t>
+            </a:r>
+          </a:p>
+          <a:p>
+            <a:pPr marL="357188" lvl="1" indent="-357188">
+              <a:spcBef>
+                <a:spcPts val="400"/>
+              </a:spcBef>
+              <a:buFont typeface="Arial" panose="020B0604020202020204" pitchFamily="34" charset="0"/>
+              <a:buChar char="•"/>
+            </a:pPr>
+            <a:r>
+              <a:rPr lang="da-DK" sz="1800" spc="-50" dirty="0">
+                <a:solidFill>
+                  <a:srgbClr val="A50021"/>
+                </a:solidFill>
+              </a:rPr>
+              <a:t>H</a:t>
+            </a:r>
+            <a:r>
+              <a:rPr lang="da-DK" sz="1800" spc="-50" dirty="0" smtClean="0">
+                <a:solidFill>
+                  <a:srgbClr val="A50021"/>
+                </a:solidFill>
+              </a:rPr>
+              <a:t>øje point kan trække en karakter op, mens lave point kan trække en karakter ned</a:t>
+            </a:r>
+          </a:p>
+          <a:p>
+            <a:pPr marL="357188" lvl="1" indent="-357188">
+              <a:spcBef>
+                <a:spcPts val="400"/>
+              </a:spcBef>
+              <a:buFont typeface="Arial" panose="020B0604020202020204" pitchFamily="34" charset="0"/>
+              <a:buChar char="•"/>
+            </a:pPr>
+            <a:endParaRPr lang="da-DK" sz="1800" dirty="0" smtClean="0">
+              <a:solidFill>
+                <a:srgbClr val="A50021"/>
+              </a:solidFill>
+            </a:endParaRPr>
+          </a:p>
+          <a:p>
+            <a:pPr marL="357188" lvl="1" indent="-357188">
+              <a:spcBef>
+                <a:spcPts val="1800"/>
+              </a:spcBef>
+              <a:buFont typeface="Arial" panose="020B0604020202020204" pitchFamily="34" charset="0"/>
+              <a:buChar char="•"/>
+            </a:pPr>
+            <a:endParaRPr lang="da-DK" sz="1800" dirty="0">
+              <a:solidFill>
+                <a:srgbClr val="A50021"/>
+              </a:solidFill>
+            </a:endParaRPr>
+          </a:p>
+        </p:txBody>
+      </p:sp>
+      <p:sp>
+        <p:nvSpPr>
+          <p:cNvPr id="2" name="Slide Number Placeholder 1"/>
+          <p:cNvSpPr>
+            <a:spLocks noGrp="1"/>
+          </p:cNvSpPr>
+          <p:nvPr>
+            <p:ph type="sldNum" sz="quarter" idx="4"/>
+          </p:nvPr>
+        </p:nvSpPr>
+        <p:spPr/>
+        <p:txBody>
+          <a:bodyPr/>
+          <a:lstStyle/>
+          <a:p>
+            <a:fld id="{09A55395-2BED-4A30-9795-02A173C60FCF}" type="slidenum">
+              <a:rPr lang="da-DK" altLang="da-DK" smtClean="0"/>
+              <a:pPr/>
+              <a:t>5</a:t>
+            </a:fld>
+            <a:endParaRPr lang="da-DK" altLang="da-DK" dirty="0"/>
+          </a:p>
+        </p:txBody>
+      </p:sp>
+    </p:spTree>
+    <p:extLst>
+      <p:ext uri="{BB962C8B-B14F-4D97-AF65-F5344CB8AC3E}">
+        <p14:creationId xmlns:p14="http://schemas.microsoft.com/office/powerpoint/2010/main" val="1523994193"/>
+      </p:ext>
+    </p:extLst>
+  </p:cSld>
+  <p:clrMapOvr>
+    <a:masterClrMapping/>
+  </p:clrMapOvr>
+  <p:transition/>
+  <p:timing>
+    <p:tnLst>
+      <p:par>
+        <p:cTn id="1" dur="indefinite" restart="never" nodeType="tmRoot"/>
+      </p:par>
+    </p:tnLst>
+  </p:timing>
+</p:sld>
+</file>
+
+<file path=ppt/slides/slide6.xml><?xml version="1.0" encoding="utf-8"?>
+<p:sld xmlns:a="http://schemas.openxmlformats.org/drawingml/2006/main" xmlns:r="http://schemas.openxmlformats.org/officeDocument/2006/relationships" xmlns:p="http://schemas.openxmlformats.org/presentationml/2006/main">
+  <p:cSld>
+    <p:spTree>
+      <p:nvGrpSpPr>
+        <p:cNvPr id="1" name=""/>
+        <p:cNvGrpSpPr/>
+        <p:nvPr/>
+      </p:nvGrpSpPr>
+      <p:grpSpPr>
+        <a:xfrm>
+          <a:off x="0" y="0"/>
+          <a:ext cx="0" cy="0"/>
+          <a:chOff x="0" y="0"/>
+          <a:chExt cx="0" cy="0"/>
+        </a:xfrm>
+      </p:grpSpPr>
+      <p:sp>
+        <p:nvSpPr>
           <p:cNvPr id="5122" name="Rectangle 2"/>
           <p:cNvSpPr>
             <a:spLocks noGrp="1" noChangeArrowheads="1"/>
@@ -5794,14 +6552,119 @@
               <a:buChar char="•"/>
             </a:pPr>
             <a:r>
+              <a:rPr lang="da-DK" altLang="da-DK" b="1" dirty="0">
+                <a:solidFill>
+                  <a:srgbClr val="A50021"/>
+                </a:solidFill>
+                <a:ea typeface="ＭＳ Ｐゴシック" pitchFamily="34" charset="-128"/>
+                <a:cs typeface="ＭＳ Ｐゴシック" charset="-128"/>
+              </a:rPr>
+              <a:t>Videoer</a:t>
+            </a:r>
+          </a:p>
+          <a:p>
+            <a:pPr lvl="1" eaLnBrk="1" hangingPunct="1">
+              <a:spcBef>
+                <a:spcPts val="600"/>
+              </a:spcBef>
+            </a:pPr>
+            <a:r>
+              <a:rPr lang="da-DK" altLang="da-DK" sz="1800" dirty="0" smtClean="0">
+                <a:ea typeface="ＭＳ Ｐゴシック" pitchFamily="34" charset="-128"/>
+              </a:rPr>
+              <a:t>Løsning </a:t>
+            </a:r>
+            <a:r>
+              <a:rPr lang="da-DK" altLang="da-DK" sz="1800" dirty="0">
+                <a:ea typeface="ＭＳ Ｐゴシック" pitchFamily="34" charset="-128"/>
+              </a:rPr>
+              <a:t>af fire køreprøvesæt findes under </a:t>
+            </a:r>
+            <a:r>
+              <a:rPr lang="da-DK" altLang="da-DK" sz="1800" dirty="0" smtClean="0">
+                <a:ea typeface="ＭＳ Ｐゴシック" pitchFamily="34" charset="-128"/>
+              </a:rPr>
+              <a:t>Seminar 4 på ”Program for seminarer” </a:t>
+            </a:r>
+            <a:r>
+              <a:rPr lang="da-DK" altLang="da-DK" sz="1800" dirty="0">
+                <a:ea typeface="ＭＳ Ｐゴシック" pitchFamily="34" charset="-128"/>
+              </a:rPr>
+              <a:t>(Phone, </a:t>
+            </a:r>
+            <a:r>
+              <a:rPr lang="da-DK" altLang="da-DK" sz="1800" dirty="0" err="1">
+                <a:ea typeface="ＭＳ Ｐゴシック" pitchFamily="34" charset="-128"/>
+              </a:rPr>
+              <a:t>Pirate</a:t>
+            </a:r>
+            <a:r>
+              <a:rPr lang="da-DK" altLang="da-DK" sz="1800" dirty="0">
+                <a:ea typeface="ＭＳ Ｐゴシック" pitchFamily="34" charset="-128"/>
+              </a:rPr>
+              <a:t>, Car og Turtle)</a:t>
+            </a:r>
+          </a:p>
+          <a:p>
+            <a:pPr lvl="1" eaLnBrk="1" hangingPunct="1">
+              <a:spcBef>
+                <a:spcPts val="600"/>
+              </a:spcBef>
+            </a:pPr>
+            <a:r>
+              <a:rPr lang="da-DK" altLang="da-DK" sz="1800" dirty="0" smtClean="0">
+                <a:ea typeface="ＭＳ Ｐゴシック" pitchFamily="34" charset="-128"/>
+              </a:rPr>
+              <a:t>Husk </a:t>
+            </a:r>
+            <a:r>
+              <a:rPr lang="da-DK" altLang="da-DK" sz="1800" dirty="0">
+                <a:ea typeface="ＭＳ Ｐゴシック" pitchFamily="34" charset="-128"/>
+              </a:rPr>
+              <a:t>at det ikke er nok at se videoerne. Du skal </a:t>
+            </a:r>
+            <a:r>
+              <a:rPr lang="da-DK" altLang="da-DK" sz="1800" dirty="0" smtClean="0">
+                <a:ea typeface="ＭＳ Ｐゴシック" pitchFamily="34" charset="-128"/>
+              </a:rPr>
+              <a:t>bagefter </a:t>
+            </a:r>
+            <a:r>
               <a:rPr lang="da-DK" altLang="da-DK" sz="1800" b="1" dirty="0">
                 <a:solidFill>
-                  <a:srgbClr val="A50021"/>
-                </a:solidFill>
-                <a:ea typeface="ＭＳ Ｐゴシック" pitchFamily="34" charset="-128"/>
-                <a:cs typeface="ＭＳ Ｐゴシック" charset="-128"/>
-              </a:rPr>
-              <a:t>Videoer</a:t>
+                  <a:srgbClr val="008000"/>
+                </a:solidFill>
+                <a:ea typeface="ＭＳ Ｐゴシック" pitchFamily="34" charset="-128"/>
+              </a:rPr>
+              <a:t>selv</a:t>
+            </a:r>
+            <a:r>
+              <a:rPr lang="da-DK" altLang="da-DK" sz="1800" dirty="0">
+                <a:ea typeface="ＭＳ Ｐゴシック" pitchFamily="34" charset="-128"/>
+              </a:rPr>
+              <a:t> prøve at </a:t>
+            </a:r>
+            <a:r>
+              <a:rPr lang="da-DK" altLang="da-DK" sz="1800" b="1" dirty="0">
+                <a:solidFill>
+                  <a:srgbClr val="008000"/>
+                </a:solidFill>
+                <a:ea typeface="ＭＳ Ｐゴシック" pitchFamily="34" charset="-128"/>
+              </a:rPr>
+              <a:t>løse opgaverne</a:t>
+            </a:r>
+          </a:p>
+          <a:p>
+            <a:pPr eaLnBrk="1" hangingPunct="1">
+              <a:spcBef>
+                <a:spcPts val="1800"/>
+              </a:spcBef>
+            </a:pPr>
+            <a:r>
+              <a:rPr lang="da-DK" altLang="da-DK" sz="2000" noProof="0" dirty="0" smtClean="0">
+                <a:ea typeface="ＭＳ Ｐゴシック" pitchFamily="34" charset="-128"/>
+              </a:rPr>
+              <a:t>Løs tidligere køreprøvesæt</a:t>
             </a:r>
           </a:p>
           <a:p>
@@ -5811,40 +6674,22 @@
               </a:spcBef>
             </a:pPr>
             <a:r>
-              <a:rPr lang="da-DK" altLang="da-DK" sz="1600" dirty="0" smtClean="0">
-                <a:ea typeface="ＭＳ Ｐゴシック" pitchFamily="34" charset="-128"/>
-              </a:rPr>
-              <a:t>Løsning </a:t>
-            </a:r>
-            <a:r>
-              <a:rPr lang="da-DK" altLang="da-DK" sz="1600" dirty="0">
-                <a:ea typeface="ＭＳ Ｐゴシック" pitchFamily="34" charset="-128"/>
-              </a:rPr>
-              <a:t>af fire køreprøvesæt findes under </a:t>
-            </a:r>
-            <a:r>
-              <a:rPr lang="da-DK" altLang="da-DK" sz="1600" dirty="0" smtClean="0">
-                <a:ea typeface="ＭＳ Ｐゴシック" pitchFamily="34" charset="-128"/>
-              </a:rPr>
-              <a:t>Seminar 4 på ”Program for seminarer” </a:t>
-            </a:r>
-            <a:r>
-              <a:rPr lang="da-DK" altLang="da-DK" sz="1600" dirty="0">
-                <a:ea typeface="ＭＳ Ｐゴシック" pitchFamily="34" charset="-128"/>
-              </a:rPr>
-              <a:t>(Phone, </a:t>
-            </a:r>
-            <a:r>
-              <a:rPr lang="da-DK" altLang="da-DK" sz="1600" dirty="0" err="1">
-                <a:ea typeface="ＭＳ Ｐゴシック" pitchFamily="34" charset="-128"/>
-              </a:rPr>
-              <a:t>Pirate</a:t>
-            </a:r>
-            <a:r>
-              <a:rPr lang="da-DK" altLang="da-DK" sz="1600" dirty="0">
-                <a:ea typeface="ＭＳ Ｐゴシック" pitchFamily="34" charset="-128"/>
-              </a:rPr>
-              <a:t>, Car og Turtle)</a:t>
+              <a:rPr lang="da-DK" altLang="da-DK" sz="1800" noProof="0" dirty="0" smtClean="0">
+                <a:ea typeface="ＭＳ Ｐゴシック" pitchFamily="34" charset="-128"/>
+              </a:rPr>
+              <a:t>Et stort udvalg (ca. 40 </a:t>
+            </a:r>
+            <a:r>
+              <a:rPr lang="da-DK" altLang="da-DK" sz="1800" noProof="0" dirty="0" err="1" smtClean="0">
+                <a:ea typeface="ＭＳ Ｐゴシック" pitchFamily="34" charset="-128"/>
+              </a:rPr>
+              <a:t>stk</a:t>
+            </a:r>
+            <a:r>
+              <a:rPr lang="da-DK" altLang="da-DK" sz="1800" noProof="0" dirty="0" smtClean="0">
+                <a:ea typeface="ＭＳ Ｐゴシック" pitchFamily="34" charset="-128"/>
+              </a:rPr>
+              <a:t>) findes nederst på ”Program for seminarer”</a:t>
             </a:r>
           </a:p>
           <a:p>
@@ -5854,97 +6699,10 @@
               </a:spcBef>
             </a:pPr>
             <a:r>
-              <a:rPr lang="da-DK" altLang="da-DK" sz="1600" dirty="0" smtClean="0">
-                <a:ea typeface="ＭＳ Ｐゴシック" pitchFamily="34" charset="-128"/>
-              </a:rPr>
-              <a:t>Husk </a:t>
-            </a:r>
-            <a:r>
-              <a:rPr lang="da-DK" altLang="da-DK" sz="1600" dirty="0">
-                <a:ea typeface="ＭＳ Ｐゴシック" pitchFamily="34" charset="-128"/>
-              </a:rPr>
-              <a:t>at det ikke er nok at se videoerne. Du skal </a:t>
-            </a:r>
-            <a:r>
-              <a:rPr lang="da-DK" altLang="da-DK" sz="1600" dirty="0" smtClean="0">
-                <a:ea typeface="ＭＳ Ｐゴシック" pitchFamily="34" charset="-128"/>
-              </a:rPr>
-              <a:t>bagefter </a:t>
-            </a:r>
-            <a:r>
-              <a:rPr lang="da-DK" altLang="da-DK" sz="1600" b="1" dirty="0">
-                <a:solidFill>
-                  <a:srgbClr val="008000"/>
-                </a:solidFill>
-                <a:ea typeface="ＭＳ Ｐゴシック" pitchFamily="34" charset="-128"/>
-              </a:rPr>
-              <a:t>selv</a:t>
-            </a:r>
-            <a:r>
-              <a:rPr lang="da-DK" altLang="da-DK" sz="1600" dirty="0">
-                <a:ea typeface="ＭＳ Ｐゴシック" pitchFamily="34" charset="-128"/>
-              </a:rPr>
-              <a:t> prøve at </a:t>
-            </a:r>
-            <a:r>
-              <a:rPr lang="da-DK" altLang="da-DK" sz="1600" b="1" dirty="0">
-                <a:solidFill>
-                  <a:srgbClr val="008000"/>
-                </a:solidFill>
-                <a:ea typeface="ＭＳ Ｐゴシック" pitchFamily="34" charset="-128"/>
-              </a:rPr>
-              <a:t>løse opgaverne</a:t>
-            </a:r>
-          </a:p>
-          <a:p>
-            <a:pPr eaLnBrk="1" hangingPunct="1">
-              <a:spcBef>
-                <a:spcPts val="1800"/>
-              </a:spcBef>
-            </a:pPr>
-            <a:r>
-              <a:rPr lang="da-DK" altLang="da-DK" sz="1800" noProof="0" dirty="0" smtClean="0">
-                <a:ea typeface="ＭＳ Ｐゴシック" pitchFamily="34" charset="-128"/>
-              </a:rPr>
-              <a:t>Løs tidligere køreprøvesæt</a:t>
-            </a:r>
-          </a:p>
-          <a:p>
-            <a:pPr lvl="1" eaLnBrk="1" hangingPunct="1">
-              <a:spcBef>
-                <a:spcPts val="600"/>
-              </a:spcBef>
-            </a:pPr>
-            <a:r>
-              <a:rPr lang="da-DK" altLang="da-DK" sz="1600" noProof="0" dirty="0" smtClean="0">
-                <a:ea typeface="ＭＳ Ｐゴシック" pitchFamily="34" charset="-128"/>
-              </a:rPr>
-              <a:t>Et stort udvalg (ca. 40 </a:t>
-            </a:r>
-            <a:r>
-              <a:rPr lang="da-DK" altLang="da-DK" sz="1600" noProof="0" dirty="0" err="1" smtClean="0">
-                <a:ea typeface="ＭＳ Ｐゴシック" pitchFamily="34" charset="-128"/>
-              </a:rPr>
-              <a:t>stk</a:t>
-            </a:r>
-            <a:r>
-              <a:rPr lang="da-DK" altLang="da-DK" sz="1600" noProof="0" dirty="0" smtClean="0">
-                <a:ea typeface="ＭＳ Ｐゴシック" pitchFamily="34" charset="-128"/>
-              </a:rPr>
-              <a:t>) findes nederst på ”Program for seminarer”</a:t>
-            </a:r>
-          </a:p>
-          <a:p>
-            <a:pPr lvl="1" eaLnBrk="1" hangingPunct="1">
-              <a:spcBef>
-                <a:spcPts val="600"/>
-              </a:spcBef>
-            </a:pPr>
-            <a:r>
-              <a:rPr lang="da-DK" altLang="da-DK" sz="1600" dirty="0" smtClean="0">
-                <a:ea typeface="ＭＳ Ｐゴシック" pitchFamily="34" charset="-128"/>
-              </a:rPr>
-              <a:t>Husk at du kan bruge testserveren til at kontrollere din besvarelse</a:t>
+              <a:rPr lang="da-DK" altLang="da-DK" sz="1800" dirty="0" smtClean="0">
+                <a:ea typeface="ＭＳ Ｐゴシック" pitchFamily="34" charset="-128"/>
+              </a:rPr>
+              <a:t>Husk at du kan bruge testserveren til at kontrollere din besvarelse af disse (læs hvordan det gøres på Brightspace siden ”Test af opgaver”)</a:t>
             </a:r>
           </a:p>
           <a:p>
@@ -5955,7 +6713,7 @@
               <a:buChar char="•"/>
             </a:pPr>
             <a:r>
-              <a:rPr lang="da-DK" sz="1800" b="1" dirty="0">
+              <a:rPr lang="da-DK" b="1" dirty="0">
                 <a:solidFill>
                   <a:srgbClr val="A50021"/>
                 </a:solidFill>
@@ -5972,7 +6730,7 @@
               </a:spcBef>
             </a:pPr>
             <a:r>
-              <a:rPr lang="da-DK" sz="1600" dirty="0"/>
+              <a:rPr lang="da-DK" sz="1800" dirty="0"/>
               <a:t>I skal kunne huske, hvordan man skriver de forskellige ting</a:t>
             </a:r>
           </a:p>
@@ -5983,102 +6741,14 @@
               </a:spcBef>
             </a:pPr>
             <a:r>
-              <a:rPr lang="da-DK" sz="1600" dirty="0"/>
-              <a:t>I skal kunne rette de småfejl, der uvægerligt opstår</a:t>
-            </a:r>
-          </a:p>
-          <a:p>
-            <a:pPr marL="342900" lvl="1" indent="-342900">
-              <a:spcBef>
-                <a:spcPts val="1800"/>
-              </a:spcBef>
-              <a:buChar char="•"/>
-            </a:pPr>
-            <a:r>
-              <a:rPr lang="da-DK" sz="1800" b="1" dirty="0">
-                <a:solidFill>
-                  <a:srgbClr val="A50021"/>
-                </a:solidFill>
-                <a:ea typeface="ＭＳ Ｐゴシック" pitchFamily="-106" charset="-128"/>
-                <a:cs typeface="ＭＳ Ｐゴシック" pitchFamily="-106" charset="-128"/>
-              </a:rPr>
-              <a:t>I må gerne slå op i </a:t>
-            </a:r>
-            <a:r>
-              <a:rPr lang="da-DK" sz="1800" b="1" dirty="0" err="1">
-                <a:solidFill>
-                  <a:srgbClr val="A50021"/>
-                </a:solidFill>
-                <a:ea typeface="ＭＳ Ｐゴシック" pitchFamily="-106" charset="-128"/>
-                <a:cs typeface="ＭＳ Ｐゴシック" pitchFamily="-106" charset="-128"/>
-              </a:rPr>
-              <a:t>BlueJ</a:t>
-            </a:r>
-            <a:r>
-              <a:rPr lang="da-DK" sz="1800" b="1" dirty="0">
-                <a:solidFill>
-                  <a:srgbClr val="A50021"/>
-                </a:solidFill>
-                <a:ea typeface="ＭＳ Ｐゴシック" pitchFamily="-106" charset="-128"/>
-                <a:cs typeface="ＭＳ Ｐゴシック" pitchFamily="-106" charset="-128"/>
-              </a:rPr>
-              <a:t> bogen, </a:t>
-            </a:r>
-            <a:r>
-              <a:rPr lang="da-DK" sz="1800" b="1" dirty="0" err="1">
-                <a:solidFill>
-                  <a:srgbClr val="A50021"/>
-                </a:solidFill>
-                <a:ea typeface="ＭＳ Ｐゴシック" pitchFamily="-106" charset="-128"/>
-                <a:cs typeface="ＭＳ Ｐゴシック" pitchFamily="-106" charset="-128"/>
-              </a:rPr>
-              <a:t>Java’s</a:t>
-            </a:r>
-            <a:r>
-              <a:rPr lang="da-DK" sz="1800" b="1" dirty="0">
-                <a:solidFill>
-                  <a:srgbClr val="A50021"/>
-                </a:solidFill>
-                <a:ea typeface="ＭＳ Ｐゴシック" pitchFamily="-106" charset="-128"/>
-                <a:cs typeface="ＭＳ Ｐゴシック" pitchFamily="-106" charset="-128"/>
-              </a:rPr>
-              <a:t> API, gamle opgaver og noter</a:t>
-            </a:r>
-          </a:p>
-          <a:p>
-            <a:pPr lvl="1">
-              <a:spcBef>
-                <a:spcPts val="600"/>
-              </a:spcBef>
-            </a:pPr>
-            <a:r>
-              <a:rPr lang="da-DK" sz="1600" dirty="0"/>
-              <a:t>Men det tager tid</a:t>
-            </a:r>
-          </a:p>
-          <a:p>
-            <a:pPr lvl="1">
-              <a:spcBef>
-                <a:spcPts val="600"/>
-              </a:spcBef>
-            </a:pPr>
-            <a:r>
-              <a:rPr lang="da-DK" sz="1600" dirty="0"/>
-              <a:t>Det er derfor bedst, </a:t>
-            </a:r>
-            <a:r>
-              <a:rPr lang="da-DK" sz="1600" dirty="0" smtClean="0"/>
-              <a:t>at </a:t>
-            </a:r>
-            <a:r>
-              <a:rPr lang="da-DK" sz="1600" dirty="0"/>
-              <a:t>langt det meste sidder på </a:t>
-            </a:r>
-            <a:r>
-              <a:rPr lang="da-DK" sz="1600" dirty="0" smtClean="0"/>
-              <a:t>rygraden</a:t>
-            </a:r>
-            <a:endParaRPr lang="da-DK" sz="1600" dirty="0"/>
+              <a:rPr lang="da-DK" sz="1800" dirty="0"/>
+              <a:t>I skal kunne rette de småfejl, der uvægerligt </a:t>
+            </a:r>
+            <a:r>
+              <a:rPr lang="da-DK" sz="1800" dirty="0" smtClean="0"/>
+              <a:t>opstår</a:t>
+            </a:r>
+            <a:endParaRPr lang="da-DK" sz="1800" dirty="0"/>
           </a:p>
         </p:txBody>
       </p:sp>
@@ -6100,7 +6770,7 @@
             <a:fld id="{09A55395-2BED-4A30-9795-02A173C60FCF}" type="slidenum">
               <a:rPr lang="da-DK" altLang="da-DK" smtClean="0"/>
               <a:pPr/>
-              <a:t>5</a:t>
+              <a:t>6</a:t>
             </a:fld>
             <a:endParaRPr lang="da-DK" altLang="da-DK" dirty="0"/>
           </a:p>
@@ -6126,7 +6796,7 @@
 </p:sld>
 </file>
 
-<file path=ppt/slides/slide6.xml><?xml version="1.0" encoding="utf-8"?>
+<file path=ppt/slides/slide7.xml><?xml version="1.0" encoding="utf-8"?>
 <p:sld xmlns:a="http://schemas.openxmlformats.org/drawingml/2006/main" xmlns:r="http://schemas.openxmlformats.org/officeDocument/2006/relationships" xmlns:p="http://schemas.openxmlformats.org/presentationml/2006/main">
   <p:cSld>
     <p:spTree>
@@ -6168,7 +6838,7 @@
               <a:rPr lang="da-DK" altLang="da-DK" sz="3000" dirty="0" smtClean="0">
                 <a:ea typeface="ＭＳ Ｐゴシック" pitchFamily="34" charset="-128"/>
               </a:rPr>
-              <a:t>Hastighed mv</a:t>
+              <a:t>Programmeringshastighed</a:t>
             </a:r>
             <a:endParaRPr lang="da-DK" altLang="da-DK" sz="3000" spc="-150" noProof="0" dirty="0" smtClean="0">
               <a:ea typeface="ＭＳ Ｐゴシック" pitchFamily="34" charset="-128"/>
@@ -6377,7 +7047,7 @@
               <a:buChar char="•"/>
             </a:pPr>
             <a:r>
-              <a:rPr lang="da-DK" sz="1800" b="1" dirty="0" smtClean="0">
+              <a:rPr lang="da-DK" b="1" dirty="0" smtClean="0">
                 <a:solidFill>
                   <a:srgbClr val="A50021"/>
                 </a:solidFill>
@@ -6394,8 +7064,8 @@
               </a:spcBef>
             </a:pPr>
             <a:r>
-              <a:rPr lang="da-DK" sz="1600" dirty="0" smtClean="0"/>
-              <a:t>Ved ihærdig træning kan langt de fleste bring dette ned til 20-30 minutter</a:t>
+              <a:rPr lang="da-DK" sz="1800" dirty="0" smtClean="0"/>
+              <a:t>Ved ihærdig træning kan langt de fleste bringe dette ned til 20-30 minutter</a:t>
             </a:r>
           </a:p>
           <a:p>
@@ -6405,8 +7075,8 @@
               </a:spcBef>
             </a:pPr>
             <a:r>
-              <a:rPr lang="da-DK" sz="1600" dirty="0" smtClean="0"/>
-              <a:t>Det betyder at I (på kort tid) er blevet 3-4 gange så hurtige til at programmere</a:t>
+              <a:rPr lang="da-DK" sz="1800" dirty="0" smtClean="0"/>
+              <a:t>Det betyder at I (på kort tid) bliver 3-4 gange så hurtige til at programmere</a:t>
             </a:r>
           </a:p>
           <a:p>
@@ -6416,7 +7086,7 @@
               </a:spcBef>
             </a:pPr>
             <a:r>
-              <a:rPr lang="da-DK" sz="1600" dirty="0" smtClean="0"/>
+              <a:rPr lang="da-DK" sz="1800" dirty="0" smtClean="0"/>
               <a:t>Det vil komme jer til meget stor gavn, når I skal i gang med de lidt større afleveringsopgaver efter køreprøven</a:t>
             </a:r>
           </a:p>
@@ -6427,7 +7097,7 @@
               </a:spcBef>
             </a:pPr>
             <a:r>
-              <a:rPr lang="da-DK" sz="1600" dirty="0" smtClean="0"/>
+              <a:rPr lang="da-DK" sz="1800" dirty="0" smtClean="0"/>
               <a:t>Tag tid en gang imellem – så I kan se, hvor langt, I er nået i træningen</a:t>
             </a:r>
           </a:p>
@@ -6436,95 +7106,57 @@
               <a:spcBef>
                 <a:spcPts val="1800"/>
               </a:spcBef>
-              <a:buFontTx/>
               <a:buChar char="•"/>
             </a:pPr>
             <a:r>
-              <a:rPr lang="da-DK" sz="1800" b="1" dirty="0" smtClean="0">
+              <a:rPr lang="da-DK" b="1" dirty="0">
                 <a:solidFill>
                   <a:srgbClr val="A50021"/>
                 </a:solidFill>
                 <a:ea typeface="ＭＳ Ｐゴシック" pitchFamily="-106" charset="-128"/>
                 <a:cs typeface="ＭＳ Ｐゴシック" pitchFamily="-106" charset="-128"/>
               </a:rPr>
-              <a:t>Alle kan lære det – sidste efterår var resultatet som følger</a:t>
-            </a:r>
-          </a:p>
-          <a:p>
-            <a:pPr lvl="1">
-              <a:spcBef>
-                <a:spcPts val="400"/>
-              </a:spcBef>
-            </a:pPr>
-            <a:r>
-              <a:rPr lang="da-DK" sz="1600" dirty="0"/>
-              <a:t>76% svarede på </a:t>
-            </a:r>
-            <a:r>
-              <a:rPr lang="da-DK" sz="1600" dirty="0" smtClean="0"/>
-              <a:t>alle 12 spørgsmål</a:t>
-            </a:r>
-            <a:endParaRPr lang="da-DK" sz="1600" dirty="0"/>
-          </a:p>
-          <a:p>
-            <a:pPr lvl="1">
-              <a:spcBef>
-                <a:spcPts val="400"/>
-              </a:spcBef>
-            </a:pPr>
-            <a:r>
-              <a:rPr lang="da-DK" sz="1600" dirty="0"/>
-              <a:t>89% svarede på mindst 10 </a:t>
-            </a:r>
-            <a:r>
-              <a:rPr lang="da-DK" sz="1600" dirty="0" smtClean="0"/>
-              <a:t>spørgsmål (svarende til jeres opgave)</a:t>
-            </a:r>
-          </a:p>
-          <a:p>
-            <a:pPr lvl="1">
-              <a:spcBef>
-                <a:spcPts val="400"/>
-              </a:spcBef>
-              <a:buFontTx/>
-              <a:buChar char="–"/>
-            </a:pPr>
-            <a:r>
-              <a:rPr lang="da-DK" sz="1600" dirty="0" smtClean="0"/>
-              <a:t>99% svarede på mindst 8 spørgsmål (de første 2 tjekpunkter)</a:t>
-            </a:r>
-          </a:p>
-          <a:p>
-            <a:pPr lvl="1">
-              <a:spcBef>
-                <a:spcPts val="400"/>
-              </a:spcBef>
-              <a:buFontTx/>
-              <a:buChar char="–"/>
-            </a:pPr>
-            <a:r>
-              <a:rPr lang="da-DK" sz="1600" dirty="0" smtClean="0"/>
-              <a:t>Rekorden for 12 spørgsmål er 11 min og 13 </a:t>
-            </a:r>
-            <a:r>
-              <a:rPr lang="da-DK" sz="1600" dirty="0" err="1" smtClean="0"/>
-              <a:t>sek</a:t>
-            </a:r>
-            <a:r>
-              <a:rPr lang="da-DK" sz="1600" dirty="0" smtClean="0"/>
-              <a:t> (hvilket er ufattelig hurtigt)</a:t>
-            </a:r>
-            <a:endParaRPr lang="da-DK" sz="1600" dirty="0"/>
-          </a:p>
-          <a:p>
-            <a:pPr lvl="1">
-              <a:spcBef>
-                <a:spcPts val="400"/>
-              </a:spcBef>
-              <a:buFontTx/>
-              <a:buChar char="–"/>
-            </a:pPr>
-            <a:endParaRPr lang="da-DK" sz="1600" dirty="0"/>
+              <a:t>Rekorden er 11 min og 13 sekunder (for et opgavesæt </a:t>
+            </a:r>
+            <a:r>
+              <a:rPr lang="da-DK" b="1" dirty="0" smtClean="0">
+                <a:solidFill>
+                  <a:srgbClr val="A50021"/>
+                </a:solidFill>
+                <a:ea typeface="ＭＳ Ｐゴシック" pitchFamily="-106" charset="-128"/>
+                <a:cs typeface="ＭＳ Ｐゴシック" pitchFamily="-106" charset="-128"/>
+              </a:rPr>
+              <a:t>med</a:t>
+            </a:r>
+            <a:br>
+              <a:rPr lang="da-DK" b="1" dirty="0" smtClean="0">
+                <a:solidFill>
+                  <a:srgbClr val="A50021"/>
+                </a:solidFill>
+                <a:ea typeface="ＭＳ Ｐゴシック" pitchFamily="-106" charset="-128"/>
+                <a:cs typeface="ＭＳ Ｐゴシック" pitchFamily="-106" charset="-128"/>
+              </a:rPr>
+            </a:br>
+            <a:r>
+              <a:rPr lang="da-DK" b="1" dirty="0" smtClean="0">
+                <a:solidFill>
+                  <a:srgbClr val="A50021"/>
+                </a:solidFill>
+                <a:ea typeface="ＭＳ Ｐゴシック" pitchFamily="-106" charset="-128"/>
+                <a:cs typeface="ＭＳ Ｐゴシック" pitchFamily="-106" charset="-128"/>
+              </a:rPr>
+              <a:t>12 </a:t>
+            </a:r>
+            <a:r>
+              <a:rPr lang="da-DK" b="1" dirty="0">
+                <a:solidFill>
+                  <a:srgbClr val="A50021"/>
+                </a:solidFill>
+                <a:ea typeface="ＭＳ Ｐゴシック" pitchFamily="-106" charset="-128"/>
+                <a:cs typeface="ＭＳ Ｐゴシック" pitchFamily="-106" charset="-128"/>
+              </a:rPr>
+              <a:t>spørgsmål)</a:t>
+            </a:r>
           </a:p>
         </p:txBody>
       </p:sp>
@@ -6552,7 +7184,7 @@
             <a:fld id="{0C953E5A-28AD-44D7-98CE-0B8AEAC88EC0}" type="slidenum">
               <a:rPr lang="da-DK" altLang="da-DK" sz="1800" b="1" smtClean="0"/>
               <a:pPr algn="ctr"/>
-              <a:t>6</a:t>
+              <a:t>7</a:t>
             </a:fld>
             <a:endParaRPr lang="da-DK" altLang="da-DK" sz="1800" b="1" dirty="0"/>
           </a:p>
@@ -6571,203 +7203,7 @@
   <p:timing>
     <p:tnLst>
       <p:par>
-        <p:cTn id="1" dur="indefinite" restart="never" nodeType="tmRoot">
-          <p:childTnLst>
-            <p:seq concurrent="1" nextAc="seek">
-              <p:cTn id="2" dur="indefinite" nodeType="mainSeq">
-                <p:childTnLst>
-                  <p:par>
-                    <p:cTn id="3" fill="hold">
-                      <p:stCondLst>
-                        <p:cond delay="indefinite"/>
-                      </p:stCondLst>
-                      <p:childTnLst>
-                        <p:par>
-                          <p:cTn id="4" fill="hold">
-                            <p:stCondLst>
-                              <p:cond delay="0"/>
-                            </p:stCondLst>
-                            <p:childTnLst>
-                              <p:par>
-                                <p:cTn id="5" presetID="1" presetClass="entr" presetSubtype="0" fill="hold" nodeType="clickEffect">
-                                  <p:stCondLst>
-                                    <p:cond delay="0"/>
-                                  </p:stCondLst>
-                                  <p:childTnLst>
-                                    <p:set>
-                                      <p:cBhvr>
-                                        <p:cTn id="6" dur="1" fill="hold">
-                                          <p:stCondLst>
-                                            <p:cond delay="0"/>
-                                          </p:stCondLst>
-                                        </p:cTn>
-                                        <p:tgtEl>
-                                          <p:spTgt spid="31">
-                                            <p:txEl>
-                                              <p:pRg st="5" end="5"/>
-                                            </p:txEl>
-                                          </p:spTgt>
-                                        </p:tgtEl>
-                                        <p:attrNameLst>
-                                          <p:attrName>style.visibility</p:attrName>
-                                        </p:attrNameLst>
-                                      </p:cBhvr>
-                                      <p:to>
-                                        <p:strVal val="visible"/>
-                                      </p:to>
-                                    </p:set>
-                                  </p:childTnLst>
-                                </p:cTn>
-                              </p:par>
-                              <p:par>
-                                <p:cTn id="7" presetID="1" presetClass="entr" presetSubtype="0" fill="hold" nodeType="withEffect">
-                                  <p:stCondLst>
-                                    <p:cond delay="0"/>
-                                  </p:stCondLst>
-                                  <p:childTnLst>
-                                    <p:set>
-                                      <p:cBhvr>
-                                        <p:cTn id="8" dur="1" fill="hold">
-                                          <p:stCondLst>
-                                            <p:cond delay="0"/>
-                                          </p:stCondLst>
-                                        </p:cTn>
-                                        <p:tgtEl>
-                                          <p:spTgt spid="31">
-                                            <p:txEl>
-                                              <p:pRg st="6" end="6"/>
-                                            </p:txEl>
-                                          </p:spTgt>
-                                        </p:tgtEl>
-                                        <p:attrNameLst>
-                                          <p:attrName>style.visibility</p:attrName>
-                                        </p:attrNameLst>
-                                      </p:cBhvr>
-                                      <p:to>
-                                        <p:strVal val="visible"/>
-                                      </p:to>
-                                    </p:set>
-                                  </p:childTnLst>
-                                </p:cTn>
-                              </p:par>
-                              <p:par>
-                                <p:cTn id="9" presetID="1" presetClass="entr" presetSubtype="0" fill="hold" nodeType="withEffect">
-                                  <p:stCondLst>
-                                    <p:cond delay="0"/>
-                                  </p:stCondLst>
-                                  <p:childTnLst>
-                                    <p:set>
-                                      <p:cBhvr>
-                                        <p:cTn id="10" dur="1" fill="hold">
-                                          <p:stCondLst>
-                                            <p:cond delay="0"/>
-                                          </p:stCondLst>
-                                        </p:cTn>
-                                        <p:tgtEl>
-                                          <p:spTgt spid="31">
-                                            <p:txEl>
-                                              <p:pRg st="7" end="7"/>
-                                            </p:txEl>
-                                          </p:spTgt>
-                                        </p:tgtEl>
-                                        <p:attrNameLst>
-                                          <p:attrName>style.visibility</p:attrName>
-                                        </p:attrNameLst>
-                                      </p:cBhvr>
-                                      <p:to>
-                                        <p:strVal val="visible"/>
-                                      </p:to>
-                                    </p:set>
-                                  </p:childTnLst>
-                                </p:cTn>
-                              </p:par>
-                              <p:par>
-                                <p:cTn id="11" presetID="1" presetClass="entr" presetSubtype="0" fill="hold" nodeType="withEffect">
-                                  <p:stCondLst>
-                                    <p:cond delay="0"/>
-                                  </p:stCondLst>
-                                  <p:childTnLst>
-                                    <p:set>
-                                      <p:cBhvr>
-                                        <p:cTn id="12" dur="1" fill="hold">
-                                          <p:stCondLst>
-                                            <p:cond delay="0"/>
-                                          </p:stCondLst>
-                                        </p:cTn>
-                                        <p:tgtEl>
-                                          <p:spTgt spid="31">
-                                            <p:txEl>
-                                              <p:pRg st="8" end="8"/>
-                                            </p:txEl>
-                                          </p:spTgt>
-                                        </p:tgtEl>
-                                        <p:attrNameLst>
-                                          <p:attrName>style.visibility</p:attrName>
-                                        </p:attrNameLst>
-                                      </p:cBhvr>
-                                      <p:to>
-                                        <p:strVal val="visible"/>
-                                      </p:to>
-                                    </p:set>
-                                  </p:childTnLst>
-                                </p:cTn>
-                              </p:par>
-                              <p:par>
-                                <p:cTn id="13" presetID="1" presetClass="entr" presetSubtype="0" fill="hold" nodeType="withEffect">
-                                  <p:stCondLst>
-                                    <p:cond delay="0"/>
-                                  </p:stCondLst>
-                                  <p:childTnLst>
-                                    <p:set>
-                                      <p:cBhvr>
-                                        <p:cTn id="14" dur="1" fill="hold">
-                                          <p:stCondLst>
-                                            <p:cond delay="0"/>
-                                          </p:stCondLst>
-                                        </p:cTn>
-                                        <p:tgtEl>
-                                          <p:spTgt spid="31">
-                                            <p:txEl>
-                                              <p:pRg st="9" end="9"/>
-                                            </p:txEl>
-                                          </p:spTgt>
-                                        </p:tgtEl>
-                                        <p:attrNameLst>
-                                          <p:attrName>style.visibility</p:attrName>
-                                        </p:attrNameLst>
-                                      </p:cBhvr>
-                                      <p:to>
-                                        <p:strVal val="visible"/>
-                                      </p:to>
-                                    </p:set>
-                                  </p:childTnLst>
-                                </p:cTn>
-                              </p:par>
-                            </p:childTnLst>
-                          </p:cTn>
-                        </p:par>
-                      </p:childTnLst>
-                    </p:cTn>
-                  </p:par>
-                </p:childTnLst>
-              </p:cTn>
-              <p:prevCondLst>
-                <p:cond evt="onPrev" delay="0">
-                  <p:tgtEl>
-                    <p:sldTgt/>
-                  </p:tgtEl>
-                </p:cond>
-              </p:prevCondLst>
-              <p:nextCondLst>
-                <p:cond evt="onNext" delay="0">
-                  <p:tgtEl>
-                    <p:sldTgt/>
-                  </p:tgtEl>
-                </p:cond>
-              </p:nextCondLst>
-            </p:seq>
-          </p:childTnLst>
-        </p:cTn>
+        <p:cTn id="1" dur="indefinite" restart="never" nodeType="tmRoot"/>
       </p:par>
     </p:tnLst>
   </p:timing>
